--- a/Grafiken_Pool/Auswertung/Uebersicht_25_zoom_BO.pptx
+++ b/Grafiken_Pool/Auswertung/Uebersicht_25_zoom_BO.pptx
@@ -2,19 +2,22 @@
 <file path=ppt/presentation.xml><?xml version="1.0" encoding="utf-8"?>
 <p:presentation xmlns:a="http://schemas.openxmlformats.org/drawingml/2006/main" xmlns:r="http://schemas.openxmlformats.org/officeDocument/2006/relationships" xmlns:p="http://schemas.openxmlformats.org/presentationml/2006/main" saveSubsetFonts="1" autoCompressPictures="0">
   <p:sldMasterIdLst>
-    <p:sldMasterId id="2147483708" r:id="rId1"/>
+    <p:sldMasterId id="2147483720" r:id="rId1"/>
   </p:sldMasterIdLst>
+  <p:notesMasterIdLst>
+    <p:notesMasterId r:id="rId3"/>
+  </p:notesMasterIdLst>
   <p:sldIdLst>
     <p:sldId id="256" r:id="rId2"/>
   </p:sldIdLst>
-  <p:sldSz cx="12192000" cy="5184775"/>
+  <p:sldSz cx="12599988" cy="6119813"/>
   <p:notesSz cx="6858000" cy="9144000"/>
   <p:defaultTextStyle>
     <a:defPPr>
       <a:defRPr lang="de-DE"/>
     </a:defPPr>
-    <a:lvl1pPr marL="0" algn="l" defTabSz="914400" rtl="0" eaLnBrk="1" latinLnBrk="0" hangingPunct="1">
-      <a:defRPr sz="1800" kern="1200">
+    <a:lvl1pPr marL="0" algn="l" defTabSz="984992" rtl="0" eaLnBrk="1" latinLnBrk="0" hangingPunct="1">
+      <a:defRPr sz="1939" kern="1200">
         <a:solidFill>
           <a:schemeClr val="tx1"/>
         </a:solidFill>
@@ -23,8 +26,8 @@
         <a:cs typeface="+mn-cs"/>
       </a:defRPr>
     </a:lvl1pPr>
-    <a:lvl2pPr marL="457200" algn="l" defTabSz="914400" rtl="0" eaLnBrk="1" latinLnBrk="0" hangingPunct="1">
-      <a:defRPr sz="1800" kern="1200">
+    <a:lvl2pPr marL="492496" algn="l" defTabSz="984992" rtl="0" eaLnBrk="1" latinLnBrk="0" hangingPunct="1">
+      <a:defRPr sz="1939" kern="1200">
         <a:solidFill>
           <a:schemeClr val="tx1"/>
         </a:solidFill>
@@ -33,8 +36,8 @@
         <a:cs typeface="+mn-cs"/>
       </a:defRPr>
     </a:lvl2pPr>
-    <a:lvl3pPr marL="914400" algn="l" defTabSz="914400" rtl="0" eaLnBrk="1" latinLnBrk="0" hangingPunct="1">
-      <a:defRPr sz="1800" kern="1200">
+    <a:lvl3pPr marL="984992" algn="l" defTabSz="984992" rtl="0" eaLnBrk="1" latinLnBrk="0" hangingPunct="1">
+      <a:defRPr sz="1939" kern="1200">
         <a:solidFill>
           <a:schemeClr val="tx1"/>
         </a:solidFill>
@@ -43,8 +46,8 @@
         <a:cs typeface="+mn-cs"/>
       </a:defRPr>
     </a:lvl3pPr>
-    <a:lvl4pPr marL="1371600" algn="l" defTabSz="914400" rtl="0" eaLnBrk="1" latinLnBrk="0" hangingPunct="1">
-      <a:defRPr sz="1800" kern="1200">
+    <a:lvl4pPr marL="1477488" algn="l" defTabSz="984992" rtl="0" eaLnBrk="1" latinLnBrk="0" hangingPunct="1">
+      <a:defRPr sz="1939" kern="1200">
         <a:solidFill>
           <a:schemeClr val="tx1"/>
         </a:solidFill>
@@ -53,8 +56,8 @@
         <a:cs typeface="+mn-cs"/>
       </a:defRPr>
     </a:lvl4pPr>
-    <a:lvl5pPr marL="1828800" algn="l" defTabSz="914400" rtl="0" eaLnBrk="1" latinLnBrk="0" hangingPunct="1">
-      <a:defRPr sz="1800" kern="1200">
+    <a:lvl5pPr marL="1969983" algn="l" defTabSz="984992" rtl="0" eaLnBrk="1" latinLnBrk="0" hangingPunct="1">
+      <a:defRPr sz="1939" kern="1200">
         <a:solidFill>
           <a:schemeClr val="tx1"/>
         </a:solidFill>
@@ -63,8 +66,8 @@
         <a:cs typeface="+mn-cs"/>
       </a:defRPr>
     </a:lvl5pPr>
-    <a:lvl6pPr marL="2286000" algn="l" defTabSz="914400" rtl="0" eaLnBrk="1" latinLnBrk="0" hangingPunct="1">
-      <a:defRPr sz="1800" kern="1200">
+    <a:lvl6pPr marL="2462479" algn="l" defTabSz="984992" rtl="0" eaLnBrk="1" latinLnBrk="0" hangingPunct="1">
+      <a:defRPr sz="1939" kern="1200">
         <a:solidFill>
           <a:schemeClr val="tx1"/>
         </a:solidFill>
@@ -73,8 +76,8 @@
         <a:cs typeface="+mn-cs"/>
       </a:defRPr>
     </a:lvl6pPr>
-    <a:lvl7pPr marL="2743200" algn="l" defTabSz="914400" rtl="0" eaLnBrk="1" latinLnBrk="0" hangingPunct="1">
-      <a:defRPr sz="1800" kern="1200">
+    <a:lvl7pPr marL="2954975" algn="l" defTabSz="984992" rtl="0" eaLnBrk="1" latinLnBrk="0" hangingPunct="1">
+      <a:defRPr sz="1939" kern="1200">
         <a:solidFill>
           <a:schemeClr val="tx1"/>
         </a:solidFill>
@@ -83,8 +86,8 @@
         <a:cs typeface="+mn-cs"/>
       </a:defRPr>
     </a:lvl7pPr>
-    <a:lvl8pPr marL="3200400" algn="l" defTabSz="914400" rtl="0" eaLnBrk="1" latinLnBrk="0" hangingPunct="1">
-      <a:defRPr sz="1800" kern="1200">
+    <a:lvl8pPr marL="3447471" algn="l" defTabSz="984992" rtl="0" eaLnBrk="1" latinLnBrk="0" hangingPunct="1">
+      <a:defRPr sz="1939" kern="1200">
         <a:solidFill>
           <a:schemeClr val="tx1"/>
         </a:solidFill>
@@ -93,8 +96,8 @@
         <a:cs typeface="+mn-cs"/>
       </a:defRPr>
     </a:lvl8pPr>
-    <a:lvl9pPr marL="3657600" algn="l" defTabSz="914400" rtl="0" eaLnBrk="1" latinLnBrk="0" hangingPunct="1">
-      <a:defRPr sz="1800" kern="1200">
+    <a:lvl9pPr marL="3939967" algn="l" defTabSz="984992" rtl="0" eaLnBrk="1" latinLnBrk="0" hangingPunct="1">
+      <a:defRPr sz="1939" kern="1200">
         <a:solidFill>
           <a:schemeClr val="tx1"/>
         </a:solidFill>
@@ -110,6 +113,445 @@
     </p:ext>
   </p:extLst>
 </p:presentation>
+</file>
+
+<file path=ppt/notesMasters/notesMaster1.xml><?xml version="1.0" encoding="utf-8"?>
+<p:notesMaster xmlns:a="http://schemas.openxmlformats.org/drawingml/2006/main" xmlns:r="http://schemas.openxmlformats.org/officeDocument/2006/relationships" xmlns:p="http://schemas.openxmlformats.org/presentationml/2006/main">
+  <p:cSld>
+    <p:bg>
+      <p:bgRef idx="1001">
+        <a:schemeClr val="bg1"/>
+      </p:bgRef>
+    </p:bg>
+    <p:spTree>
+      <p:nvGrpSpPr>
+        <p:cNvPr id="1" name=""/>
+        <p:cNvGrpSpPr/>
+        <p:nvPr/>
+      </p:nvGrpSpPr>
+      <p:grpSpPr>
+        <a:xfrm>
+          <a:off x="0" y="0"/>
+          <a:ext cx="0" cy="0"/>
+          <a:chOff x="0" y="0"/>
+          <a:chExt cx="0" cy="0"/>
+        </a:xfrm>
+      </p:grpSpPr>
+      <p:sp>
+        <p:nvSpPr>
+          <p:cNvPr id="2" name="Kopfzeilenplatzhalter 1"/>
+          <p:cNvSpPr>
+            <a:spLocks noGrp="1"/>
+          </p:cNvSpPr>
+          <p:nvPr>
+            <p:ph type="hdr" sz="quarter"/>
+          </p:nvPr>
+        </p:nvSpPr>
+        <p:spPr>
+          <a:xfrm>
+            <a:off x="0" y="0"/>
+            <a:ext cx="2971800" cy="458788"/>
+          </a:xfrm>
+          <a:prstGeom prst="rect">
+            <a:avLst/>
+          </a:prstGeom>
+        </p:spPr>
+        <p:txBody>
+          <a:bodyPr vert="horz" lIns="91440" tIns="45720" rIns="91440" bIns="45720" rtlCol="0"/>
+          <a:lstStyle>
+            <a:lvl1pPr algn="l">
+              <a:defRPr sz="1200"/>
+            </a:lvl1pPr>
+          </a:lstStyle>
+          <a:p>
+            <a:endParaRPr lang="de-DE"/>
+          </a:p>
+        </p:txBody>
+      </p:sp>
+      <p:sp>
+        <p:nvSpPr>
+          <p:cNvPr id="3" name="Datumsplatzhalter 2"/>
+          <p:cNvSpPr>
+            <a:spLocks noGrp="1"/>
+          </p:cNvSpPr>
+          <p:nvPr>
+            <p:ph type="dt" idx="1"/>
+          </p:nvPr>
+        </p:nvSpPr>
+        <p:spPr>
+          <a:xfrm>
+            <a:off x="3884613" y="0"/>
+            <a:ext cx="2971800" cy="458788"/>
+          </a:xfrm>
+          <a:prstGeom prst="rect">
+            <a:avLst/>
+          </a:prstGeom>
+        </p:spPr>
+        <p:txBody>
+          <a:bodyPr vert="horz" lIns="91440" tIns="45720" rIns="91440" bIns="45720" rtlCol="0"/>
+          <a:lstStyle>
+            <a:lvl1pPr algn="r">
+              <a:defRPr sz="1200"/>
+            </a:lvl1pPr>
+          </a:lstStyle>
+          <a:p>
+            <a:fld id="{C919720A-2DCA-5348-B767-46443102467C}" type="datetimeFigureOut">
+              <a:rPr lang="de-DE" smtClean="0"/>
+              <a:t>26.07.17</a:t>
+            </a:fld>
+            <a:endParaRPr lang="de-DE"/>
+          </a:p>
+        </p:txBody>
+      </p:sp>
+      <p:sp>
+        <p:nvSpPr>
+          <p:cNvPr id="4" name="Folienbildplatzhalter 3"/>
+          <p:cNvSpPr>
+            <a:spLocks noGrp="1" noRot="1" noChangeAspect="1"/>
+          </p:cNvSpPr>
+          <p:nvPr>
+            <p:ph type="sldImg" idx="2"/>
+          </p:nvPr>
+        </p:nvSpPr>
+        <p:spPr>
+          <a:xfrm>
+            <a:off x="252413" y="1143000"/>
+            <a:ext cx="6353175" cy="3086100"/>
+          </a:xfrm>
+          <a:prstGeom prst="rect">
+            <a:avLst/>
+          </a:prstGeom>
+          <a:noFill/>
+          <a:ln w="12700">
+            <a:solidFill>
+              <a:prstClr val="black"/>
+            </a:solidFill>
+          </a:ln>
+        </p:spPr>
+        <p:txBody>
+          <a:bodyPr vert="horz" lIns="91440" tIns="45720" rIns="91440" bIns="45720" rtlCol="0" anchor="ctr"/>
+          <a:lstStyle/>
+          <a:p>
+            <a:endParaRPr lang="de-DE"/>
+          </a:p>
+        </p:txBody>
+      </p:sp>
+      <p:sp>
+        <p:nvSpPr>
+          <p:cNvPr id="5" name="Notizenplatzhalter 4"/>
+          <p:cNvSpPr>
+            <a:spLocks noGrp="1"/>
+          </p:cNvSpPr>
+          <p:nvPr>
+            <p:ph type="body" sz="quarter" idx="3"/>
+          </p:nvPr>
+        </p:nvSpPr>
+        <p:spPr>
+          <a:xfrm>
+            <a:off x="685800" y="4400550"/>
+            <a:ext cx="5486400" cy="3600450"/>
+          </a:xfrm>
+          <a:prstGeom prst="rect">
+            <a:avLst/>
+          </a:prstGeom>
+        </p:spPr>
+        <p:txBody>
+          <a:bodyPr vert="horz" lIns="91440" tIns="45720" rIns="91440" bIns="45720" rtlCol="0"/>
+          <a:lstStyle/>
+          <a:p>
+            <a:pPr lvl="0"/>
+            <a:r>
+              <a:rPr lang="de-DE" smtClean="0"/>
+              <a:t>Mastertextformat bearbeiten</a:t>
+            </a:r>
+          </a:p>
+          <a:p>
+            <a:pPr lvl="1"/>
+            <a:r>
+              <a:rPr lang="de-DE" smtClean="0"/>
+              <a:t>Zweite Ebene</a:t>
+            </a:r>
+          </a:p>
+          <a:p>
+            <a:pPr lvl="2"/>
+            <a:r>
+              <a:rPr lang="de-DE" smtClean="0"/>
+              <a:t>Dritte Ebene</a:t>
+            </a:r>
+          </a:p>
+          <a:p>
+            <a:pPr lvl="3"/>
+            <a:r>
+              <a:rPr lang="de-DE" smtClean="0"/>
+              <a:t>Vierte Ebene</a:t>
+            </a:r>
+          </a:p>
+          <a:p>
+            <a:pPr lvl="4"/>
+            <a:r>
+              <a:rPr lang="de-DE" smtClean="0"/>
+              <a:t>Fünfte Ebene</a:t>
+            </a:r>
+            <a:endParaRPr lang="de-DE"/>
+          </a:p>
+        </p:txBody>
+      </p:sp>
+      <p:sp>
+        <p:nvSpPr>
+          <p:cNvPr id="6" name="Fußzeilenplatzhalter 5"/>
+          <p:cNvSpPr>
+            <a:spLocks noGrp="1"/>
+          </p:cNvSpPr>
+          <p:nvPr>
+            <p:ph type="ftr" sz="quarter" idx="4"/>
+          </p:nvPr>
+        </p:nvSpPr>
+        <p:spPr>
+          <a:xfrm>
+            <a:off x="0" y="8685213"/>
+            <a:ext cx="2971800" cy="458787"/>
+          </a:xfrm>
+          <a:prstGeom prst="rect">
+            <a:avLst/>
+          </a:prstGeom>
+        </p:spPr>
+        <p:txBody>
+          <a:bodyPr vert="horz" lIns="91440" tIns="45720" rIns="91440" bIns="45720" rtlCol="0" anchor="b"/>
+          <a:lstStyle>
+            <a:lvl1pPr algn="l">
+              <a:defRPr sz="1200"/>
+            </a:lvl1pPr>
+          </a:lstStyle>
+          <a:p>
+            <a:endParaRPr lang="de-DE"/>
+          </a:p>
+        </p:txBody>
+      </p:sp>
+      <p:sp>
+        <p:nvSpPr>
+          <p:cNvPr id="7" name="Foliennummernplatzhalter 6"/>
+          <p:cNvSpPr>
+            <a:spLocks noGrp="1"/>
+          </p:cNvSpPr>
+          <p:nvPr>
+            <p:ph type="sldNum" sz="quarter" idx="5"/>
+          </p:nvPr>
+        </p:nvSpPr>
+        <p:spPr>
+          <a:xfrm>
+            <a:off x="3884613" y="8685213"/>
+            <a:ext cx="2971800" cy="458787"/>
+          </a:xfrm>
+          <a:prstGeom prst="rect">
+            <a:avLst/>
+          </a:prstGeom>
+        </p:spPr>
+        <p:txBody>
+          <a:bodyPr vert="horz" lIns="91440" tIns="45720" rIns="91440" bIns="45720" rtlCol="0" anchor="b"/>
+          <a:lstStyle>
+            <a:lvl1pPr algn="r">
+              <a:defRPr sz="1200"/>
+            </a:lvl1pPr>
+          </a:lstStyle>
+          <a:p>
+            <a:fld id="{32D94597-369C-7B41-9BDF-94D2B07F320D}" type="slidenum">
+              <a:rPr lang="de-DE" smtClean="0"/>
+              <a:t>‹Nr.›</a:t>
+            </a:fld>
+            <a:endParaRPr lang="de-DE"/>
+          </a:p>
+        </p:txBody>
+      </p:sp>
+    </p:spTree>
+    <p:extLst>
+      <p:ext uri="{BB962C8B-B14F-4D97-AF65-F5344CB8AC3E}">
+        <p14:creationId xmlns:p14="http://schemas.microsoft.com/office/powerpoint/2010/main" val="2063979953"/>
+      </p:ext>
+    </p:extLst>
+  </p:cSld>
+  <p:clrMap bg1="lt1" tx1="dk1" bg2="lt2" tx2="dk2" accent1="accent1" accent2="accent2" accent3="accent3" accent4="accent4" accent5="accent5" accent6="accent6" hlink="hlink" folHlink="folHlink"/>
+  <p:notesStyle>
+    <a:lvl1pPr marL="0" algn="l" defTabSz="984992" rtl="0" eaLnBrk="1" latinLnBrk="0" hangingPunct="1">
+      <a:defRPr sz="1293" kern="1200">
+        <a:solidFill>
+          <a:schemeClr val="tx1"/>
+        </a:solidFill>
+        <a:latin typeface="+mn-lt"/>
+        <a:ea typeface="+mn-ea"/>
+        <a:cs typeface="+mn-cs"/>
+      </a:defRPr>
+    </a:lvl1pPr>
+    <a:lvl2pPr marL="492496" algn="l" defTabSz="984992" rtl="0" eaLnBrk="1" latinLnBrk="0" hangingPunct="1">
+      <a:defRPr sz="1293" kern="1200">
+        <a:solidFill>
+          <a:schemeClr val="tx1"/>
+        </a:solidFill>
+        <a:latin typeface="+mn-lt"/>
+        <a:ea typeface="+mn-ea"/>
+        <a:cs typeface="+mn-cs"/>
+      </a:defRPr>
+    </a:lvl2pPr>
+    <a:lvl3pPr marL="984992" algn="l" defTabSz="984992" rtl="0" eaLnBrk="1" latinLnBrk="0" hangingPunct="1">
+      <a:defRPr sz="1293" kern="1200">
+        <a:solidFill>
+          <a:schemeClr val="tx1"/>
+        </a:solidFill>
+        <a:latin typeface="+mn-lt"/>
+        <a:ea typeface="+mn-ea"/>
+        <a:cs typeface="+mn-cs"/>
+      </a:defRPr>
+    </a:lvl3pPr>
+    <a:lvl4pPr marL="1477488" algn="l" defTabSz="984992" rtl="0" eaLnBrk="1" latinLnBrk="0" hangingPunct="1">
+      <a:defRPr sz="1293" kern="1200">
+        <a:solidFill>
+          <a:schemeClr val="tx1"/>
+        </a:solidFill>
+        <a:latin typeface="+mn-lt"/>
+        <a:ea typeface="+mn-ea"/>
+        <a:cs typeface="+mn-cs"/>
+      </a:defRPr>
+    </a:lvl4pPr>
+    <a:lvl5pPr marL="1969983" algn="l" defTabSz="984992" rtl="0" eaLnBrk="1" latinLnBrk="0" hangingPunct="1">
+      <a:defRPr sz="1293" kern="1200">
+        <a:solidFill>
+          <a:schemeClr val="tx1"/>
+        </a:solidFill>
+        <a:latin typeface="+mn-lt"/>
+        <a:ea typeface="+mn-ea"/>
+        <a:cs typeface="+mn-cs"/>
+      </a:defRPr>
+    </a:lvl5pPr>
+    <a:lvl6pPr marL="2462479" algn="l" defTabSz="984992" rtl="0" eaLnBrk="1" latinLnBrk="0" hangingPunct="1">
+      <a:defRPr sz="1293" kern="1200">
+        <a:solidFill>
+          <a:schemeClr val="tx1"/>
+        </a:solidFill>
+        <a:latin typeface="+mn-lt"/>
+        <a:ea typeface="+mn-ea"/>
+        <a:cs typeface="+mn-cs"/>
+      </a:defRPr>
+    </a:lvl6pPr>
+    <a:lvl7pPr marL="2954975" algn="l" defTabSz="984992" rtl="0" eaLnBrk="1" latinLnBrk="0" hangingPunct="1">
+      <a:defRPr sz="1293" kern="1200">
+        <a:solidFill>
+          <a:schemeClr val="tx1"/>
+        </a:solidFill>
+        <a:latin typeface="+mn-lt"/>
+        <a:ea typeface="+mn-ea"/>
+        <a:cs typeface="+mn-cs"/>
+      </a:defRPr>
+    </a:lvl7pPr>
+    <a:lvl8pPr marL="3447471" algn="l" defTabSz="984992" rtl="0" eaLnBrk="1" latinLnBrk="0" hangingPunct="1">
+      <a:defRPr sz="1293" kern="1200">
+        <a:solidFill>
+          <a:schemeClr val="tx1"/>
+        </a:solidFill>
+        <a:latin typeface="+mn-lt"/>
+        <a:ea typeface="+mn-ea"/>
+        <a:cs typeface="+mn-cs"/>
+      </a:defRPr>
+    </a:lvl8pPr>
+    <a:lvl9pPr marL="3939967" algn="l" defTabSz="984992" rtl="0" eaLnBrk="1" latinLnBrk="0" hangingPunct="1">
+      <a:defRPr sz="1293" kern="1200">
+        <a:solidFill>
+          <a:schemeClr val="tx1"/>
+        </a:solidFill>
+        <a:latin typeface="+mn-lt"/>
+        <a:ea typeface="+mn-ea"/>
+        <a:cs typeface="+mn-cs"/>
+      </a:defRPr>
+    </a:lvl9pPr>
+  </p:notesStyle>
+</p:notesMaster>
+</file>
+
+<file path=ppt/notesSlides/notesSlide1.xml><?xml version="1.0" encoding="utf-8"?>
+<p:notes xmlns:a="http://schemas.openxmlformats.org/drawingml/2006/main" xmlns:r="http://schemas.openxmlformats.org/officeDocument/2006/relationships" xmlns:p="http://schemas.openxmlformats.org/presentationml/2006/main">
+  <p:cSld>
+    <p:spTree>
+      <p:nvGrpSpPr>
+        <p:cNvPr id="1" name=""/>
+        <p:cNvGrpSpPr/>
+        <p:nvPr/>
+      </p:nvGrpSpPr>
+      <p:grpSpPr>
+        <a:xfrm>
+          <a:off x="0" y="0"/>
+          <a:ext cx="0" cy="0"/>
+          <a:chOff x="0" y="0"/>
+          <a:chExt cx="0" cy="0"/>
+        </a:xfrm>
+      </p:grpSpPr>
+      <p:sp>
+        <p:nvSpPr>
+          <p:cNvPr id="2" name="Folienbildplatzhalter 1"/>
+          <p:cNvSpPr>
+            <a:spLocks noGrp="1" noRot="1" noChangeAspect="1"/>
+          </p:cNvSpPr>
+          <p:nvPr>
+            <p:ph type="sldImg"/>
+          </p:nvPr>
+        </p:nvSpPr>
+        <p:spPr>
+          <a:xfrm>
+            <a:off x="252413" y="1143000"/>
+            <a:ext cx="6353175" cy="3086100"/>
+          </a:xfrm>
+        </p:spPr>
+      </p:sp>
+      <p:sp>
+        <p:nvSpPr>
+          <p:cNvPr id="3" name="Notizenplatzhalter 2"/>
+          <p:cNvSpPr>
+            <a:spLocks noGrp="1"/>
+          </p:cNvSpPr>
+          <p:nvPr>
+            <p:ph type="body" idx="1"/>
+          </p:nvPr>
+        </p:nvSpPr>
+        <p:spPr/>
+        <p:txBody>
+          <a:bodyPr/>
+          <a:lstStyle/>
+          <a:p>
+            <a:endParaRPr lang="de-DE" dirty="0"/>
+          </a:p>
+        </p:txBody>
+      </p:sp>
+      <p:sp>
+        <p:nvSpPr>
+          <p:cNvPr id="4" name="Foliennummernplatzhalter 3"/>
+          <p:cNvSpPr>
+            <a:spLocks noGrp="1"/>
+          </p:cNvSpPr>
+          <p:nvPr>
+            <p:ph type="sldNum" sz="quarter" idx="10"/>
+          </p:nvPr>
+        </p:nvSpPr>
+        <p:spPr/>
+        <p:txBody>
+          <a:bodyPr/>
+          <a:lstStyle/>
+          <a:p>
+            <a:fld id="{32D94597-369C-7B41-9BDF-94D2B07F320D}" type="slidenum">
+              <a:rPr lang="de-DE" smtClean="0"/>
+              <a:t>1</a:t>
+            </a:fld>
+            <a:endParaRPr lang="de-DE"/>
+          </a:p>
+        </p:txBody>
+      </p:sp>
+    </p:spTree>
+    <p:extLst>
+      <p:ext uri="{BB962C8B-B14F-4D97-AF65-F5344CB8AC3E}">
+        <p14:creationId xmlns:p14="http://schemas.microsoft.com/office/powerpoint/2010/main" val="1007720080"/>
+      </p:ext>
+    </p:extLst>
+  </p:cSld>
+  <p:clrMapOvr>
+    <a:masterClrMapping/>
+  </p:clrMapOvr>
+</p:notes>
 </file>
 
 <file path=ppt/slideLayouts/slideLayout1.xml><?xml version="1.0" encoding="utf-8"?>
@@ -141,15 +583,15 @@
         </p:nvSpPr>
         <p:spPr>
           <a:xfrm>
-            <a:off x="1524000" y="848527"/>
-            <a:ext cx="9144000" cy="1805070"/>
+            <a:off x="1574999" y="1001553"/>
+            <a:ext cx="9449991" cy="2130602"/>
           </a:xfrm>
         </p:spPr>
         <p:txBody>
           <a:bodyPr anchor="b"/>
           <a:lstStyle>
             <a:lvl1pPr algn="ctr">
-              <a:defRPr sz="4536"/>
+              <a:defRPr sz="5354"/>
             </a:lvl1pPr>
           </a:lstStyle>
           <a:p>
@@ -173,8 +615,8 @@
         </p:nvSpPr>
         <p:spPr>
           <a:xfrm>
-            <a:off x="1524000" y="2723207"/>
-            <a:ext cx="9144000" cy="1251787"/>
+            <a:off x="1574999" y="3214319"/>
+            <a:ext cx="9449991" cy="1477538"/>
           </a:xfrm>
         </p:spPr>
         <p:txBody>
@@ -182,39 +624,39 @@
           <a:lstStyle>
             <a:lvl1pPr marL="0" indent="0" algn="ctr">
               <a:buNone/>
-              <a:defRPr sz="1814"/>
+              <a:defRPr sz="2142"/>
             </a:lvl1pPr>
-            <a:lvl2pPr marL="345643" indent="0" algn="ctr">
-              <a:buNone/>
-              <a:defRPr sz="1512"/>
+            <a:lvl2pPr marL="408005" indent="0" algn="ctr">
+              <a:buNone/>
+              <a:defRPr sz="1785"/>
             </a:lvl2pPr>
-            <a:lvl3pPr marL="691286" indent="0" algn="ctr">
-              <a:buNone/>
-              <a:defRPr sz="1361"/>
+            <a:lvl3pPr marL="816011" indent="0" algn="ctr">
+              <a:buNone/>
+              <a:defRPr sz="1606"/>
             </a:lvl3pPr>
-            <a:lvl4pPr marL="1036930" indent="0" algn="ctr">
-              <a:buNone/>
-              <a:defRPr sz="1210"/>
+            <a:lvl4pPr marL="1224016" indent="0" algn="ctr">
+              <a:buNone/>
+              <a:defRPr sz="1428"/>
             </a:lvl4pPr>
-            <a:lvl5pPr marL="1382573" indent="0" algn="ctr">
-              <a:buNone/>
-              <a:defRPr sz="1210"/>
+            <a:lvl5pPr marL="1632021" indent="0" algn="ctr">
+              <a:buNone/>
+              <a:defRPr sz="1428"/>
             </a:lvl5pPr>
-            <a:lvl6pPr marL="1728216" indent="0" algn="ctr">
-              <a:buNone/>
-              <a:defRPr sz="1210"/>
+            <a:lvl6pPr marL="2040026" indent="0" algn="ctr">
+              <a:buNone/>
+              <a:defRPr sz="1428"/>
             </a:lvl6pPr>
-            <a:lvl7pPr marL="2073859" indent="0" algn="ctr">
-              <a:buNone/>
-              <a:defRPr sz="1210"/>
+            <a:lvl7pPr marL="2448032" indent="0" algn="ctr">
+              <a:buNone/>
+              <a:defRPr sz="1428"/>
             </a:lvl7pPr>
-            <a:lvl8pPr marL="2419502" indent="0" algn="ctr">
-              <a:buNone/>
-              <a:defRPr sz="1210"/>
+            <a:lvl8pPr marL="2856037" indent="0" algn="ctr">
+              <a:buNone/>
+              <a:defRPr sz="1428"/>
             </a:lvl8pPr>
-            <a:lvl9pPr marL="2765146" indent="0" algn="ctr">
-              <a:buNone/>
-              <a:defRPr sz="1210"/>
+            <a:lvl9pPr marL="3264042" indent="0" algn="ctr">
+              <a:buNone/>
+              <a:defRPr sz="1428"/>
             </a:lvl9pPr>
           </a:lstStyle>
           <a:p>
@@ -243,7 +685,7 @@
           <a:p>
             <a:fld id="{103B48E4-33E3-3D49-B47C-7E1F93DC6F9E}" type="datetimeFigureOut">
               <a:rPr lang="de-DE" smtClean="0"/>
-              <a:t>21.07.17</a:t>
+              <a:t>26.07.17</a:t>
             </a:fld>
             <a:endParaRPr lang="de-DE"/>
           </a:p>
@@ -408,7 +850,7 @@
           <a:p>
             <a:fld id="{103B48E4-33E3-3D49-B47C-7E1F93DC6F9E}" type="datetimeFigureOut">
               <a:rPr lang="de-DE" smtClean="0"/>
-              <a:t>21.07.17</a:t>
+              <a:t>26.07.17</a:t>
             </a:fld>
             <a:endParaRPr lang="de-DE"/>
           </a:p>
@@ -493,8 +935,8 @@
         </p:nvSpPr>
         <p:spPr>
           <a:xfrm>
-            <a:off x="8724900" y="276041"/>
-            <a:ext cx="2628900" cy="4393857"/>
+            <a:off x="9016867" y="325823"/>
+            <a:ext cx="2716872" cy="5186259"/>
           </a:xfrm>
         </p:spPr>
         <p:txBody>
@@ -521,8 +963,8 @@
         </p:nvSpPr>
         <p:spPr>
           <a:xfrm>
-            <a:off x="838200" y="276041"/>
-            <a:ext cx="7734300" cy="4393857"/>
+            <a:off x="866249" y="325823"/>
+            <a:ext cx="7993117" cy="5186259"/>
           </a:xfrm>
         </p:spPr>
         <p:txBody>
@@ -583,7 +1025,7 @@
           <a:p>
             <a:fld id="{103B48E4-33E3-3D49-B47C-7E1F93DC6F9E}" type="datetimeFigureOut">
               <a:rPr lang="de-DE" smtClean="0"/>
-              <a:t>21.07.17</a:t>
+              <a:t>26.07.17</a:t>
             </a:fld>
             <a:endParaRPr lang="de-DE"/>
           </a:p>
@@ -748,7 +1190,7 @@
           <a:p>
             <a:fld id="{103B48E4-33E3-3D49-B47C-7E1F93DC6F9E}" type="datetimeFigureOut">
               <a:rPr lang="de-DE" smtClean="0"/>
-              <a:t>21.07.17</a:t>
+              <a:t>26.07.17</a:t>
             </a:fld>
             <a:endParaRPr lang="de-DE"/>
           </a:p>
@@ -833,15 +1275,15 @@
         </p:nvSpPr>
         <p:spPr>
           <a:xfrm>
-            <a:off x="831850" y="1292594"/>
-            <a:ext cx="10515600" cy="2156722"/>
+            <a:off x="859687" y="1525704"/>
+            <a:ext cx="10867490" cy="2545672"/>
           </a:xfrm>
         </p:spPr>
         <p:txBody>
           <a:bodyPr anchor="b"/>
           <a:lstStyle>
             <a:lvl1pPr>
-              <a:defRPr sz="4536"/>
+              <a:defRPr sz="5354"/>
             </a:lvl1pPr>
           </a:lstStyle>
           <a:p>
@@ -865,8 +1307,8 @@
         </p:nvSpPr>
         <p:spPr>
           <a:xfrm>
-            <a:off x="831850" y="3469719"/>
-            <a:ext cx="10515600" cy="1134169"/>
+            <a:off x="859687" y="4095459"/>
+            <a:ext cx="10867490" cy="1338709"/>
           </a:xfrm>
         </p:spPr>
         <p:txBody>
@@ -874,7 +1316,7 @@
           <a:lstStyle>
             <a:lvl1pPr marL="0" indent="0">
               <a:buNone/>
-              <a:defRPr sz="1814">
+              <a:defRPr sz="2142">
                 <a:solidFill>
                   <a:schemeClr val="tx1">
                     <a:tint val="75000"/>
@@ -882,9 +1324,9 @@
                 </a:solidFill>
               </a:defRPr>
             </a:lvl1pPr>
-            <a:lvl2pPr marL="345643" indent="0">
-              <a:buNone/>
-              <a:defRPr sz="1512">
+            <a:lvl2pPr marL="408005" indent="0">
+              <a:buNone/>
+              <a:defRPr sz="1785">
                 <a:solidFill>
                   <a:schemeClr val="tx1">
                     <a:tint val="75000"/>
@@ -892,9 +1334,9 @@
                 </a:solidFill>
               </a:defRPr>
             </a:lvl2pPr>
-            <a:lvl3pPr marL="691286" indent="0">
-              <a:buNone/>
-              <a:defRPr sz="1361">
+            <a:lvl3pPr marL="816011" indent="0">
+              <a:buNone/>
+              <a:defRPr sz="1606">
                 <a:solidFill>
                   <a:schemeClr val="tx1">
                     <a:tint val="75000"/>
@@ -902,9 +1344,9 @@
                 </a:solidFill>
               </a:defRPr>
             </a:lvl3pPr>
-            <a:lvl4pPr marL="1036930" indent="0">
-              <a:buNone/>
-              <a:defRPr sz="1210">
+            <a:lvl4pPr marL="1224016" indent="0">
+              <a:buNone/>
+              <a:defRPr sz="1428">
                 <a:solidFill>
                   <a:schemeClr val="tx1">
                     <a:tint val="75000"/>
@@ -912,9 +1354,9 @@
                 </a:solidFill>
               </a:defRPr>
             </a:lvl4pPr>
-            <a:lvl5pPr marL="1382573" indent="0">
-              <a:buNone/>
-              <a:defRPr sz="1210">
+            <a:lvl5pPr marL="1632021" indent="0">
+              <a:buNone/>
+              <a:defRPr sz="1428">
                 <a:solidFill>
                   <a:schemeClr val="tx1">
                     <a:tint val="75000"/>
@@ -922,9 +1364,9 @@
                 </a:solidFill>
               </a:defRPr>
             </a:lvl5pPr>
-            <a:lvl6pPr marL="1728216" indent="0">
-              <a:buNone/>
-              <a:defRPr sz="1210">
+            <a:lvl6pPr marL="2040026" indent="0">
+              <a:buNone/>
+              <a:defRPr sz="1428">
                 <a:solidFill>
                   <a:schemeClr val="tx1">
                     <a:tint val="75000"/>
@@ -932,9 +1374,9 @@
                 </a:solidFill>
               </a:defRPr>
             </a:lvl6pPr>
-            <a:lvl7pPr marL="2073859" indent="0">
-              <a:buNone/>
-              <a:defRPr sz="1210">
+            <a:lvl7pPr marL="2448032" indent="0">
+              <a:buNone/>
+              <a:defRPr sz="1428">
                 <a:solidFill>
                   <a:schemeClr val="tx1">
                     <a:tint val="75000"/>
@@ -942,9 +1384,9 @@
                 </a:solidFill>
               </a:defRPr>
             </a:lvl7pPr>
-            <a:lvl8pPr marL="2419502" indent="0">
-              <a:buNone/>
-              <a:defRPr sz="1210">
+            <a:lvl8pPr marL="2856037" indent="0">
+              <a:buNone/>
+              <a:defRPr sz="1428">
                 <a:solidFill>
                   <a:schemeClr val="tx1">
                     <a:tint val="75000"/>
@@ -952,9 +1394,9 @@
                 </a:solidFill>
               </a:defRPr>
             </a:lvl8pPr>
-            <a:lvl9pPr marL="2765146" indent="0">
-              <a:buNone/>
-              <a:defRPr sz="1210">
+            <a:lvl9pPr marL="3264042" indent="0">
+              <a:buNone/>
+              <a:defRPr sz="1428">
                 <a:solidFill>
                   <a:schemeClr val="tx1">
                     <a:tint val="75000"/>
@@ -989,7 +1431,7 @@
           <a:p>
             <a:fld id="{103B48E4-33E3-3D49-B47C-7E1F93DC6F9E}" type="datetimeFigureOut">
               <a:rPr lang="de-DE" smtClean="0"/>
-              <a:t>21.07.17</a:t>
+              <a:t>26.07.17</a:t>
             </a:fld>
             <a:endParaRPr lang="de-DE"/>
           </a:p>
@@ -1097,8 +1539,8 @@
         </p:nvSpPr>
         <p:spPr>
           <a:xfrm>
-            <a:off x="838200" y="1380206"/>
-            <a:ext cx="5181600" cy="3289692"/>
+            <a:off x="866249" y="1629117"/>
+            <a:ext cx="5354995" cy="3882965"/>
           </a:xfrm>
         </p:spPr>
         <p:txBody>
@@ -1154,8 +1596,8 @@
         </p:nvSpPr>
         <p:spPr>
           <a:xfrm>
-            <a:off x="6172200" y="1380206"/>
-            <a:ext cx="5181600" cy="3289692"/>
+            <a:off x="6378744" y="1629117"/>
+            <a:ext cx="5354995" cy="3882965"/>
           </a:xfrm>
         </p:spPr>
         <p:txBody>
@@ -1216,7 +1658,7 @@
           <a:p>
             <a:fld id="{103B48E4-33E3-3D49-B47C-7E1F93DC6F9E}" type="datetimeFigureOut">
               <a:rPr lang="de-DE" smtClean="0"/>
-              <a:t>21.07.17</a:t>
+              <a:t>26.07.17</a:t>
             </a:fld>
             <a:endParaRPr lang="de-DE"/>
           </a:p>
@@ -1301,8 +1743,8 @@
         </p:nvSpPr>
         <p:spPr>
           <a:xfrm>
-            <a:off x="839788" y="276042"/>
-            <a:ext cx="10515600" cy="1002150"/>
+            <a:off x="867890" y="325824"/>
+            <a:ext cx="10867490" cy="1182881"/>
           </a:xfrm>
         </p:spPr>
         <p:txBody>
@@ -1329,8 +1771,8 @@
         </p:nvSpPr>
         <p:spPr>
           <a:xfrm>
-            <a:off x="839789" y="1270990"/>
-            <a:ext cx="5157787" cy="622893"/>
+            <a:off x="867891" y="1500205"/>
+            <a:ext cx="5330385" cy="735227"/>
           </a:xfrm>
         </p:spPr>
         <p:txBody>
@@ -1338,39 +1780,39 @@
           <a:lstStyle>
             <a:lvl1pPr marL="0" indent="0">
               <a:buNone/>
-              <a:defRPr sz="1814" b="1"/>
+              <a:defRPr sz="2142" b="1"/>
             </a:lvl1pPr>
-            <a:lvl2pPr marL="345643" indent="0">
-              <a:buNone/>
-              <a:defRPr sz="1512" b="1"/>
+            <a:lvl2pPr marL="408005" indent="0">
+              <a:buNone/>
+              <a:defRPr sz="1785" b="1"/>
             </a:lvl2pPr>
-            <a:lvl3pPr marL="691286" indent="0">
-              <a:buNone/>
-              <a:defRPr sz="1361" b="1"/>
+            <a:lvl3pPr marL="816011" indent="0">
+              <a:buNone/>
+              <a:defRPr sz="1606" b="1"/>
             </a:lvl3pPr>
-            <a:lvl4pPr marL="1036930" indent="0">
-              <a:buNone/>
-              <a:defRPr sz="1210" b="1"/>
+            <a:lvl4pPr marL="1224016" indent="0">
+              <a:buNone/>
+              <a:defRPr sz="1428" b="1"/>
             </a:lvl4pPr>
-            <a:lvl5pPr marL="1382573" indent="0">
-              <a:buNone/>
-              <a:defRPr sz="1210" b="1"/>
+            <a:lvl5pPr marL="1632021" indent="0">
+              <a:buNone/>
+              <a:defRPr sz="1428" b="1"/>
             </a:lvl5pPr>
-            <a:lvl6pPr marL="1728216" indent="0">
-              <a:buNone/>
-              <a:defRPr sz="1210" b="1"/>
+            <a:lvl6pPr marL="2040026" indent="0">
+              <a:buNone/>
+              <a:defRPr sz="1428" b="1"/>
             </a:lvl6pPr>
-            <a:lvl7pPr marL="2073859" indent="0">
-              <a:buNone/>
-              <a:defRPr sz="1210" b="1"/>
+            <a:lvl7pPr marL="2448032" indent="0">
+              <a:buNone/>
+              <a:defRPr sz="1428" b="1"/>
             </a:lvl7pPr>
-            <a:lvl8pPr marL="2419502" indent="0">
-              <a:buNone/>
-              <a:defRPr sz="1210" b="1"/>
+            <a:lvl8pPr marL="2856037" indent="0">
+              <a:buNone/>
+              <a:defRPr sz="1428" b="1"/>
             </a:lvl8pPr>
-            <a:lvl9pPr marL="2765146" indent="0">
-              <a:buNone/>
-              <a:defRPr sz="1210" b="1"/>
+            <a:lvl9pPr marL="3264042" indent="0">
+              <a:buNone/>
+              <a:defRPr sz="1428" b="1"/>
             </a:lvl9pPr>
           </a:lstStyle>
           <a:p>
@@ -1394,8 +1836,8 @@
         </p:nvSpPr>
         <p:spPr>
           <a:xfrm>
-            <a:off x="839789" y="1893883"/>
-            <a:ext cx="5157787" cy="2785617"/>
+            <a:off x="867891" y="2235432"/>
+            <a:ext cx="5330385" cy="3287983"/>
           </a:xfrm>
         </p:spPr>
         <p:txBody>
@@ -1451,8 +1893,8 @@
         </p:nvSpPr>
         <p:spPr>
           <a:xfrm>
-            <a:off x="6172200" y="1270990"/>
-            <a:ext cx="5183188" cy="622893"/>
+            <a:off x="6378744" y="1500205"/>
+            <a:ext cx="5356636" cy="735227"/>
           </a:xfrm>
         </p:spPr>
         <p:txBody>
@@ -1460,39 +1902,39 @@
           <a:lstStyle>
             <a:lvl1pPr marL="0" indent="0">
               <a:buNone/>
-              <a:defRPr sz="1814" b="1"/>
+              <a:defRPr sz="2142" b="1"/>
             </a:lvl1pPr>
-            <a:lvl2pPr marL="345643" indent="0">
-              <a:buNone/>
-              <a:defRPr sz="1512" b="1"/>
+            <a:lvl2pPr marL="408005" indent="0">
+              <a:buNone/>
+              <a:defRPr sz="1785" b="1"/>
             </a:lvl2pPr>
-            <a:lvl3pPr marL="691286" indent="0">
-              <a:buNone/>
-              <a:defRPr sz="1361" b="1"/>
+            <a:lvl3pPr marL="816011" indent="0">
+              <a:buNone/>
+              <a:defRPr sz="1606" b="1"/>
             </a:lvl3pPr>
-            <a:lvl4pPr marL="1036930" indent="0">
-              <a:buNone/>
-              <a:defRPr sz="1210" b="1"/>
+            <a:lvl4pPr marL="1224016" indent="0">
+              <a:buNone/>
+              <a:defRPr sz="1428" b="1"/>
             </a:lvl4pPr>
-            <a:lvl5pPr marL="1382573" indent="0">
-              <a:buNone/>
-              <a:defRPr sz="1210" b="1"/>
+            <a:lvl5pPr marL="1632021" indent="0">
+              <a:buNone/>
+              <a:defRPr sz="1428" b="1"/>
             </a:lvl5pPr>
-            <a:lvl6pPr marL="1728216" indent="0">
-              <a:buNone/>
-              <a:defRPr sz="1210" b="1"/>
+            <a:lvl6pPr marL="2040026" indent="0">
+              <a:buNone/>
+              <a:defRPr sz="1428" b="1"/>
             </a:lvl6pPr>
-            <a:lvl7pPr marL="2073859" indent="0">
-              <a:buNone/>
-              <a:defRPr sz="1210" b="1"/>
+            <a:lvl7pPr marL="2448032" indent="0">
+              <a:buNone/>
+              <a:defRPr sz="1428" b="1"/>
             </a:lvl7pPr>
-            <a:lvl8pPr marL="2419502" indent="0">
-              <a:buNone/>
-              <a:defRPr sz="1210" b="1"/>
+            <a:lvl8pPr marL="2856037" indent="0">
+              <a:buNone/>
+              <a:defRPr sz="1428" b="1"/>
             </a:lvl8pPr>
-            <a:lvl9pPr marL="2765146" indent="0">
-              <a:buNone/>
-              <a:defRPr sz="1210" b="1"/>
+            <a:lvl9pPr marL="3264042" indent="0">
+              <a:buNone/>
+              <a:defRPr sz="1428" b="1"/>
             </a:lvl9pPr>
           </a:lstStyle>
           <a:p>
@@ -1516,8 +1958,8 @@
         </p:nvSpPr>
         <p:spPr>
           <a:xfrm>
-            <a:off x="6172200" y="1893883"/>
-            <a:ext cx="5183188" cy="2785617"/>
+            <a:off x="6378744" y="2235432"/>
+            <a:ext cx="5356636" cy="3287983"/>
           </a:xfrm>
         </p:spPr>
         <p:txBody>
@@ -1578,7 +2020,7 @@
           <a:p>
             <a:fld id="{103B48E4-33E3-3D49-B47C-7E1F93DC6F9E}" type="datetimeFigureOut">
               <a:rPr lang="de-DE" smtClean="0"/>
-              <a:t>21.07.17</a:t>
+              <a:t>26.07.17</a:t>
             </a:fld>
             <a:endParaRPr lang="de-DE"/>
           </a:p>
@@ -1691,7 +2133,7 @@
           <a:p>
             <a:fld id="{103B48E4-33E3-3D49-B47C-7E1F93DC6F9E}" type="datetimeFigureOut">
               <a:rPr lang="de-DE" smtClean="0"/>
-              <a:t>21.07.17</a:t>
+              <a:t>26.07.17</a:t>
             </a:fld>
             <a:endParaRPr lang="de-DE"/>
           </a:p>
@@ -1781,7 +2223,7 @@
           <a:p>
             <a:fld id="{103B48E4-33E3-3D49-B47C-7E1F93DC6F9E}" type="datetimeFigureOut">
               <a:rPr lang="de-DE" smtClean="0"/>
-              <a:t>21.07.17</a:t>
+              <a:t>26.07.17</a:t>
             </a:fld>
             <a:endParaRPr lang="de-DE"/>
           </a:p>
@@ -1866,15 +2308,15 @@
         </p:nvSpPr>
         <p:spPr>
           <a:xfrm>
-            <a:off x="839789" y="345652"/>
-            <a:ext cx="3932237" cy="1209781"/>
+            <a:off x="867891" y="407988"/>
+            <a:ext cx="4063824" cy="1427956"/>
           </a:xfrm>
         </p:spPr>
         <p:txBody>
           <a:bodyPr anchor="b"/>
           <a:lstStyle>
             <a:lvl1pPr>
-              <a:defRPr sz="2419"/>
+              <a:defRPr sz="2856"/>
             </a:lvl1pPr>
           </a:lstStyle>
           <a:p>
@@ -1898,39 +2340,39 @@
         </p:nvSpPr>
         <p:spPr>
           <a:xfrm>
-            <a:off x="5183188" y="746512"/>
-            <a:ext cx="6172200" cy="3684551"/>
+            <a:off x="5356636" y="881140"/>
+            <a:ext cx="6378744" cy="4349034"/>
           </a:xfrm>
         </p:spPr>
         <p:txBody>
           <a:bodyPr/>
           <a:lstStyle>
             <a:lvl1pPr>
-              <a:defRPr sz="2419"/>
+              <a:defRPr sz="2856"/>
             </a:lvl1pPr>
             <a:lvl2pPr>
-              <a:defRPr sz="2117"/>
+              <a:defRPr sz="2499"/>
             </a:lvl2pPr>
             <a:lvl3pPr>
-              <a:defRPr sz="1814"/>
+              <a:defRPr sz="2142"/>
             </a:lvl3pPr>
             <a:lvl4pPr>
-              <a:defRPr sz="1512"/>
+              <a:defRPr sz="1785"/>
             </a:lvl4pPr>
             <a:lvl5pPr>
-              <a:defRPr sz="1512"/>
+              <a:defRPr sz="1785"/>
             </a:lvl5pPr>
             <a:lvl6pPr>
-              <a:defRPr sz="1512"/>
+              <a:defRPr sz="1785"/>
             </a:lvl6pPr>
             <a:lvl7pPr>
-              <a:defRPr sz="1512"/>
+              <a:defRPr sz="1785"/>
             </a:lvl7pPr>
             <a:lvl8pPr>
-              <a:defRPr sz="1512"/>
+              <a:defRPr sz="1785"/>
             </a:lvl8pPr>
             <a:lvl9pPr>
-              <a:defRPr sz="1512"/>
+              <a:defRPr sz="1785"/>
             </a:lvl9pPr>
           </a:lstStyle>
           <a:p>
@@ -1983,8 +2425,8 @@
         </p:nvSpPr>
         <p:spPr>
           <a:xfrm>
-            <a:off x="839789" y="1555433"/>
-            <a:ext cx="3932237" cy="2881631"/>
+            <a:off x="867891" y="1835944"/>
+            <a:ext cx="4063824" cy="3401313"/>
           </a:xfrm>
         </p:spPr>
         <p:txBody>
@@ -1992,39 +2434,39 @@
           <a:lstStyle>
             <a:lvl1pPr marL="0" indent="0">
               <a:buNone/>
-              <a:defRPr sz="1210"/>
+              <a:defRPr sz="1428"/>
             </a:lvl1pPr>
-            <a:lvl2pPr marL="345643" indent="0">
-              <a:buNone/>
-              <a:defRPr sz="1058"/>
+            <a:lvl2pPr marL="408005" indent="0">
+              <a:buNone/>
+              <a:defRPr sz="1249"/>
             </a:lvl2pPr>
-            <a:lvl3pPr marL="691286" indent="0">
-              <a:buNone/>
-              <a:defRPr sz="907"/>
+            <a:lvl3pPr marL="816011" indent="0">
+              <a:buNone/>
+              <a:defRPr sz="1071"/>
             </a:lvl3pPr>
-            <a:lvl4pPr marL="1036930" indent="0">
-              <a:buNone/>
-              <a:defRPr sz="756"/>
+            <a:lvl4pPr marL="1224016" indent="0">
+              <a:buNone/>
+              <a:defRPr sz="892"/>
             </a:lvl4pPr>
-            <a:lvl5pPr marL="1382573" indent="0">
-              <a:buNone/>
-              <a:defRPr sz="756"/>
+            <a:lvl5pPr marL="1632021" indent="0">
+              <a:buNone/>
+              <a:defRPr sz="892"/>
             </a:lvl5pPr>
-            <a:lvl6pPr marL="1728216" indent="0">
-              <a:buNone/>
-              <a:defRPr sz="756"/>
+            <a:lvl6pPr marL="2040026" indent="0">
+              <a:buNone/>
+              <a:defRPr sz="892"/>
             </a:lvl6pPr>
-            <a:lvl7pPr marL="2073859" indent="0">
-              <a:buNone/>
-              <a:defRPr sz="756"/>
+            <a:lvl7pPr marL="2448032" indent="0">
+              <a:buNone/>
+              <a:defRPr sz="892"/>
             </a:lvl7pPr>
-            <a:lvl8pPr marL="2419502" indent="0">
-              <a:buNone/>
-              <a:defRPr sz="756"/>
+            <a:lvl8pPr marL="2856037" indent="0">
+              <a:buNone/>
+              <a:defRPr sz="892"/>
             </a:lvl8pPr>
-            <a:lvl9pPr marL="2765146" indent="0">
-              <a:buNone/>
-              <a:defRPr sz="756"/>
+            <a:lvl9pPr marL="3264042" indent="0">
+              <a:buNone/>
+              <a:defRPr sz="892"/>
             </a:lvl9pPr>
           </a:lstStyle>
           <a:p>
@@ -2053,7 +2495,7 @@
           <a:p>
             <a:fld id="{103B48E4-33E3-3D49-B47C-7E1F93DC6F9E}" type="datetimeFigureOut">
               <a:rPr lang="de-DE" smtClean="0"/>
-              <a:t>21.07.17</a:t>
+              <a:t>26.07.17</a:t>
             </a:fld>
             <a:endParaRPr lang="de-DE"/>
           </a:p>
@@ -2138,15 +2580,15 @@
         </p:nvSpPr>
         <p:spPr>
           <a:xfrm>
-            <a:off x="839789" y="345652"/>
-            <a:ext cx="3932237" cy="1209781"/>
+            <a:off x="867891" y="407988"/>
+            <a:ext cx="4063824" cy="1427956"/>
           </a:xfrm>
         </p:spPr>
         <p:txBody>
           <a:bodyPr anchor="b"/>
           <a:lstStyle>
             <a:lvl1pPr>
-              <a:defRPr sz="2419"/>
+              <a:defRPr sz="2856"/>
             </a:lvl1pPr>
           </a:lstStyle>
           <a:p>
@@ -2170,8 +2612,8 @@
         </p:nvSpPr>
         <p:spPr>
           <a:xfrm>
-            <a:off x="5183188" y="746512"/>
-            <a:ext cx="6172200" cy="3684551"/>
+            <a:off x="5356636" y="881140"/>
+            <a:ext cx="6378744" cy="4349034"/>
           </a:xfrm>
         </p:spPr>
         <p:txBody>
@@ -2179,39 +2621,39 @@
           <a:lstStyle>
             <a:lvl1pPr marL="0" indent="0">
               <a:buNone/>
-              <a:defRPr sz="2419"/>
+              <a:defRPr sz="2856"/>
             </a:lvl1pPr>
-            <a:lvl2pPr marL="345643" indent="0">
-              <a:buNone/>
-              <a:defRPr sz="2117"/>
+            <a:lvl2pPr marL="408005" indent="0">
+              <a:buNone/>
+              <a:defRPr sz="2499"/>
             </a:lvl2pPr>
-            <a:lvl3pPr marL="691286" indent="0">
-              <a:buNone/>
-              <a:defRPr sz="1814"/>
+            <a:lvl3pPr marL="816011" indent="0">
+              <a:buNone/>
+              <a:defRPr sz="2142"/>
             </a:lvl3pPr>
-            <a:lvl4pPr marL="1036930" indent="0">
-              <a:buNone/>
-              <a:defRPr sz="1512"/>
+            <a:lvl4pPr marL="1224016" indent="0">
+              <a:buNone/>
+              <a:defRPr sz="1785"/>
             </a:lvl4pPr>
-            <a:lvl5pPr marL="1382573" indent="0">
-              <a:buNone/>
-              <a:defRPr sz="1512"/>
+            <a:lvl5pPr marL="1632021" indent="0">
+              <a:buNone/>
+              <a:defRPr sz="1785"/>
             </a:lvl5pPr>
-            <a:lvl6pPr marL="1728216" indent="0">
-              <a:buNone/>
-              <a:defRPr sz="1512"/>
+            <a:lvl6pPr marL="2040026" indent="0">
+              <a:buNone/>
+              <a:defRPr sz="1785"/>
             </a:lvl6pPr>
-            <a:lvl7pPr marL="2073859" indent="0">
-              <a:buNone/>
-              <a:defRPr sz="1512"/>
+            <a:lvl7pPr marL="2448032" indent="0">
+              <a:buNone/>
+              <a:defRPr sz="1785"/>
             </a:lvl7pPr>
-            <a:lvl8pPr marL="2419502" indent="0">
-              <a:buNone/>
-              <a:defRPr sz="1512"/>
+            <a:lvl8pPr marL="2856037" indent="0">
+              <a:buNone/>
+              <a:defRPr sz="1785"/>
             </a:lvl8pPr>
-            <a:lvl9pPr marL="2765146" indent="0">
-              <a:buNone/>
-              <a:defRPr sz="1512"/>
+            <a:lvl9pPr marL="3264042" indent="0">
+              <a:buNone/>
+              <a:defRPr sz="1785"/>
             </a:lvl9pPr>
           </a:lstStyle>
           <a:p>
@@ -2235,8 +2677,8 @@
         </p:nvSpPr>
         <p:spPr>
           <a:xfrm>
-            <a:off x="839789" y="1555433"/>
-            <a:ext cx="3932237" cy="2881631"/>
+            <a:off x="867891" y="1835944"/>
+            <a:ext cx="4063824" cy="3401313"/>
           </a:xfrm>
         </p:spPr>
         <p:txBody>
@@ -2244,39 +2686,39 @@
           <a:lstStyle>
             <a:lvl1pPr marL="0" indent="0">
               <a:buNone/>
-              <a:defRPr sz="1210"/>
+              <a:defRPr sz="1428"/>
             </a:lvl1pPr>
-            <a:lvl2pPr marL="345643" indent="0">
-              <a:buNone/>
-              <a:defRPr sz="1058"/>
+            <a:lvl2pPr marL="408005" indent="0">
+              <a:buNone/>
+              <a:defRPr sz="1249"/>
             </a:lvl2pPr>
-            <a:lvl3pPr marL="691286" indent="0">
-              <a:buNone/>
-              <a:defRPr sz="907"/>
+            <a:lvl3pPr marL="816011" indent="0">
+              <a:buNone/>
+              <a:defRPr sz="1071"/>
             </a:lvl3pPr>
-            <a:lvl4pPr marL="1036930" indent="0">
-              <a:buNone/>
-              <a:defRPr sz="756"/>
+            <a:lvl4pPr marL="1224016" indent="0">
+              <a:buNone/>
+              <a:defRPr sz="892"/>
             </a:lvl4pPr>
-            <a:lvl5pPr marL="1382573" indent="0">
-              <a:buNone/>
-              <a:defRPr sz="756"/>
+            <a:lvl5pPr marL="1632021" indent="0">
+              <a:buNone/>
+              <a:defRPr sz="892"/>
             </a:lvl5pPr>
-            <a:lvl6pPr marL="1728216" indent="0">
-              <a:buNone/>
-              <a:defRPr sz="756"/>
+            <a:lvl6pPr marL="2040026" indent="0">
+              <a:buNone/>
+              <a:defRPr sz="892"/>
             </a:lvl6pPr>
-            <a:lvl7pPr marL="2073859" indent="0">
-              <a:buNone/>
-              <a:defRPr sz="756"/>
+            <a:lvl7pPr marL="2448032" indent="0">
+              <a:buNone/>
+              <a:defRPr sz="892"/>
             </a:lvl7pPr>
-            <a:lvl8pPr marL="2419502" indent="0">
-              <a:buNone/>
-              <a:defRPr sz="756"/>
+            <a:lvl8pPr marL="2856037" indent="0">
+              <a:buNone/>
+              <a:defRPr sz="892"/>
             </a:lvl8pPr>
-            <a:lvl9pPr marL="2765146" indent="0">
-              <a:buNone/>
-              <a:defRPr sz="756"/>
+            <a:lvl9pPr marL="3264042" indent="0">
+              <a:buNone/>
+              <a:defRPr sz="892"/>
             </a:lvl9pPr>
           </a:lstStyle>
           <a:p>
@@ -2305,7 +2747,7 @@
           <a:p>
             <a:fld id="{103B48E4-33E3-3D49-B47C-7E1F93DC6F9E}" type="datetimeFigureOut">
               <a:rPr lang="de-DE" smtClean="0"/>
-              <a:t>21.07.17</a:t>
+              <a:t>26.07.17</a:t>
             </a:fld>
             <a:endParaRPr lang="de-DE"/>
           </a:p>
@@ -2395,8 +2837,8 @@
         </p:nvSpPr>
         <p:spPr>
           <a:xfrm>
-            <a:off x="838200" y="276042"/>
-            <a:ext cx="10515600" cy="1002150"/>
+            <a:off x="866249" y="325824"/>
+            <a:ext cx="10867490" cy="1182881"/>
           </a:xfrm>
           <a:prstGeom prst="rect">
             <a:avLst/>
@@ -2428,8 +2870,8 @@
         </p:nvSpPr>
         <p:spPr>
           <a:xfrm>
-            <a:off x="838200" y="1380206"/>
-            <a:ext cx="10515600" cy="3289692"/>
+            <a:off x="866249" y="1629117"/>
+            <a:ext cx="10867490" cy="3882965"/>
           </a:xfrm>
           <a:prstGeom prst="rect">
             <a:avLst/>
@@ -2490,8 +2932,8 @@
         </p:nvSpPr>
         <p:spPr>
           <a:xfrm>
-            <a:off x="838200" y="4805519"/>
-            <a:ext cx="2743200" cy="276041"/>
+            <a:off x="866249" y="5672161"/>
+            <a:ext cx="2834997" cy="325823"/>
           </a:xfrm>
           <a:prstGeom prst="rect">
             <a:avLst/>
@@ -2501,7 +2943,7 @@
           <a:bodyPr vert="horz" lIns="91440" tIns="45720" rIns="91440" bIns="45720" rtlCol="0" anchor="ctr"/>
           <a:lstStyle>
             <a:lvl1pPr algn="l">
-              <a:defRPr sz="907">
+              <a:defRPr sz="1071">
                 <a:solidFill>
                   <a:schemeClr val="tx1">
                     <a:tint val="75000"/>
@@ -2513,7 +2955,7 @@
           <a:p>
             <a:fld id="{103B48E4-33E3-3D49-B47C-7E1F93DC6F9E}" type="datetimeFigureOut">
               <a:rPr lang="de-DE" smtClean="0"/>
-              <a:t>21.07.17</a:t>
+              <a:t>26.07.17</a:t>
             </a:fld>
             <a:endParaRPr lang="de-DE"/>
           </a:p>
@@ -2531,8 +2973,8 @@
         </p:nvSpPr>
         <p:spPr>
           <a:xfrm>
-            <a:off x="4038600" y="4805519"/>
-            <a:ext cx="4114800" cy="276041"/>
+            <a:off x="4173746" y="5672161"/>
+            <a:ext cx="4252496" cy="325823"/>
           </a:xfrm>
           <a:prstGeom prst="rect">
             <a:avLst/>
@@ -2542,7 +2984,7 @@
           <a:bodyPr vert="horz" lIns="91440" tIns="45720" rIns="91440" bIns="45720" rtlCol="0" anchor="ctr"/>
           <a:lstStyle>
             <a:lvl1pPr algn="ctr">
-              <a:defRPr sz="907">
+              <a:defRPr sz="1071">
                 <a:solidFill>
                   <a:schemeClr val="tx1">
                     <a:tint val="75000"/>
@@ -2568,8 +3010,8 @@
         </p:nvSpPr>
         <p:spPr>
           <a:xfrm>
-            <a:off x="8610600" y="4805519"/>
-            <a:ext cx="2743200" cy="276041"/>
+            <a:off x="8898742" y="5672161"/>
+            <a:ext cx="2834997" cy="325823"/>
           </a:xfrm>
           <a:prstGeom prst="rect">
             <a:avLst/>
@@ -2579,7 +3021,7 @@
           <a:bodyPr vert="horz" lIns="91440" tIns="45720" rIns="91440" bIns="45720" rtlCol="0" anchor="ctr"/>
           <a:lstStyle>
             <a:lvl1pPr algn="r">
-              <a:defRPr sz="907">
+              <a:defRPr sz="1071">
                 <a:solidFill>
                   <a:schemeClr val="tx1">
                     <a:tint val="75000"/>
@@ -2600,27 +3042,27 @@
     </p:spTree>
     <p:extLst>
       <p:ext uri="{BB962C8B-B14F-4D97-AF65-F5344CB8AC3E}">
-        <p14:creationId xmlns:p14="http://schemas.microsoft.com/office/powerpoint/2010/main" val="1763892476"/>
+        <p14:creationId xmlns:p14="http://schemas.microsoft.com/office/powerpoint/2010/main" val="30582780"/>
       </p:ext>
     </p:extLst>
   </p:cSld>
   <p:clrMap bg1="lt1" tx1="dk1" bg2="lt2" tx2="dk2" accent1="accent1" accent2="accent2" accent3="accent3" accent4="accent4" accent5="accent5" accent6="accent6" hlink="hlink" folHlink="folHlink"/>
   <p:sldLayoutIdLst>
-    <p:sldLayoutId id="2147483709" r:id="rId1"/>
-    <p:sldLayoutId id="2147483710" r:id="rId2"/>
-    <p:sldLayoutId id="2147483711" r:id="rId3"/>
-    <p:sldLayoutId id="2147483712" r:id="rId4"/>
-    <p:sldLayoutId id="2147483713" r:id="rId5"/>
-    <p:sldLayoutId id="2147483714" r:id="rId6"/>
-    <p:sldLayoutId id="2147483715" r:id="rId7"/>
-    <p:sldLayoutId id="2147483716" r:id="rId8"/>
-    <p:sldLayoutId id="2147483717" r:id="rId9"/>
-    <p:sldLayoutId id="2147483718" r:id="rId10"/>
-    <p:sldLayoutId id="2147483719" r:id="rId11"/>
+    <p:sldLayoutId id="2147483721" r:id="rId1"/>
+    <p:sldLayoutId id="2147483722" r:id="rId2"/>
+    <p:sldLayoutId id="2147483723" r:id="rId3"/>
+    <p:sldLayoutId id="2147483724" r:id="rId4"/>
+    <p:sldLayoutId id="2147483725" r:id="rId5"/>
+    <p:sldLayoutId id="2147483726" r:id="rId6"/>
+    <p:sldLayoutId id="2147483727" r:id="rId7"/>
+    <p:sldLayoutId id="2147483728" r:id="rId8"/>
+    <p:sldLayoutId id="2147483729" r:id="rId9"/>
+    <p:sldLayoutId id="2147483730" r:id="rId10"/>
+    <p:sldLayoutId id="2147483731" r:id="rId11"/>
   </p:sldLayoutIdLst>
   <p:txStyles>
     <p:titleStyle>
-      <a:lvl1pPr algn="l" defTabSz="691286" rtl="0" eaLnBrk="1" latinLnBrk="0" hangingPunct="1">
+      <a:lvl1pPr algn="l" defTabSz="816011" rtl="0" eaLnBrk="1" latinLnBrk="0" hangingPunct="1">
         <a:lnSpc>
           <a:spcPct val="90000"/>
         </a:lnSpc>
@@ -2628,7 +3070,7 @@
           <a:spcPct val="0"/>
         </a:spcBef>
         <a:buNone/>
-        <a:defRPr sz="3326" kern="1200">
+        <a:defRPr sz="3927" kern="1200">
           <a:solidFill>
             <a:schemeClr val="tx1"/>
           </a:solidFill>
@@ -2639,16 +3081,16 @@
       </a:lvl1pPr>
     </p:titleStyle>
     <p:bodyStyle>
-      <a:lvl1pPr marL="172822" indent="-172822" algn="l" defTabSz="691286" rtl="0" eaLnBrk="1" latinLnBrk="0" hangingPunct="1">
+      <a:lvl1pPr marL="204003" indent="-204003" algn="l" defTabSz="816011" rtl="0" eaLnBrk="1" latinLnBrk="0" hangingPunct="1">
         <a:lnSpc>
           <a:spcPct val="90000"/>
         </a:lnSpc>
         <a:spcBef>
-          <a:spcPts val="756"/>
+          <a:spcPts val="892"/>
         </a:spcBef>
         <a:buFont typeface="Arial" panose="020B0604020202020204" pitchFamily="34" charset="0"/>
         <a:buChar char="•"/>
-        <a:defRPr sz="2117" kern="1200">
+        <a:defRPr sz="2499" kern="1200">
           <a:solidFill>
             <a:schemeClr val="tx1"/>
           </a:solidFill>
@@ -2657,16 +3099,16 @@
           <a:cs typeface="+mn-cs"/>
         </a:defRPr>
       </a:lvl1pPr>
-      <a:lvl2pPr marL="518465" indent="-172822" algn="l" defTabSz="691286" rtl="0" eaLnBrk="1" latinLnBrk="0" hangingPunct="1">
+      <a:lvl2pPr marL="612008" indent="-204003" algn="l" defTabSz="816011" rtl="0" eaLnBrk="1" latinLnBrk="0" hangingPunct="1">
         <a:lnSpc>
           <a:spcPct val="90000"/>
         </a:lnSpc>
         <a:spcBef>
-          <a:spcPts val="378"/>
+          <a:spcPts val="446"/>
         </a:spcBef>
         <a:buFont typeface="Arial" panose="020B0604020202020204" pitchFamily="34" charset="0"/>
         <a:buChar char="•"/>
-        <a:defRPr sz="1814" kern="1200">
+        <a:defRPr sz="2142" kern="1200">
           <a:solidFill>
             <a:schemeClr val="tx1"/>
           </a:solidFill>
@@ -2675,16 +3117,16 @@
           <a:cs typeface="+mn-cs"/>
         </a:defRPr>
       </a:lvl2pPr>
-      <a:lvl3pPr marL="864108" indent="-172822" algn="l" defTabSz="691286" rtl="0" eaLnBrk="1" latinLnBrk="0" hangingPunct="1">
+      <a:lvl3pPr marL="1020013" indent="-204003" algn="l" defTabSz="816011" rtl="0" eaLnBrk="1" latinLnBrk="0" hangingPunct="1">
         <a:lnSpc>
           <a:spcPct val="90000"/>
         </a:lnSpc>
         <a:spcBef>
-          <a:spcPts val="378"/>
+          <a:spcPts val="446"/>
         </a:spcBef>
         <a:buFont typeface="Arial" panose="020B0604020202020204" pitchFamily="34" charset="0"/>
         <a:buChar char="•"/>
-        <a:defRPr sz="1512" kern="1200">
+        <a:defRPr sz="1785" kern="1200">
           <a:solidFill>
             <a:schemeClr val="tx1"/>
           </a:solidFill>
@@ -2693,16 +3135,16 @@
           <a:cs typeface="+mn-cs"/>
         </a:defRPr>
       </a:lvl3pPr>
-      <a:lvl4pPr marL="1209751" indent="-172822" algn="l" defTabSz="691286" rtl="0" eaLnBrk="1" latinLnBrk="0" hangingPunct="1">
+      <a:lvl4pPr marL="1428018" indent="-204003" algn="l" defTabSz="816011" rtl="0" eaLnBrk="1" latinLnBrk="0" hangingPunct="1">
         <a:lnSpc>
           <a:spcPct val="90000"/>
         </a:lnSpc>
         <a:spcBef>
-          <a:spcPts val="378"/>
+          <a:spcPts val="446"/>
         </a:spcBef>
         <a:buFont typeface="Arial" panose="020B0604020202020204" pitchFamily="34" charset="0"/>
         <a:buChar char="•"/>
-        <a:defRPr sz="1361" kern="1200">
+        <a:defRPr sz="1606" kern="1200">
           <a:solidFill>
             <a:schemeClr val="tx1"/>
           </a:solidFill>
@@ -2711,16 +3153,16 @@
           <a:cs typeface="+mn-cs"/>
         </a:defRPr>
       </a:lvl4pPr>
-      <a:lvl5pPr marL="1555394" indent="-172822" algn="l" defTabSz="691286" rtl="0" eaLnBrk="1" latinLnBrk="0" hangingPunct="1">
+      <a:lvl5pPr marL="1836024" indent="-204003" algn="l" defTabSz="816011" rtl="0" eaLnBrk="1" latinLnBrk="0" hangingPunct="1">
         <a:lnSpc>
           <a:spcPct val="90000"/>
         </a:lnSpc>
         <a:spcBef>
-          <a:spcPts val="378"/>
+          <a:spcPts val="446"/>
         </a:spcBef>
         <a:buFont typeface="Arial" panose="020B0604020202020204" pitchFamily="34" charset="0"/>
         <a:buChar char="•"/>
-        <a:defRPr sz="1361" kern="1200">
+        <a:defRPr sz="1606" kern="1200">
           <a:solidFill>
             <a:schemeClr val="tx1"/>
           </a:solidFill>
@@ -2729,16 +3171,16 @@
           <a:cs typeface="+mn-cs"/>
         </a:defRPr>
       </a:lvl5pPr>
-      <a:lvl6pPr marL="1901038" indent="-172822" algn="l" defTabSz="691286" rtl="0" eaLnBrk="1" latinLnBrk="0" hangingPunct="1">
+      <a:lvl6pPr marL="2244029" indent="-204003" algn="l" defTabSz="816011" rtl="0" eaLnBrk="1" latinLnBrk="0" hangingPunct="1">
         <a:lnSpc>
           <a:spcPct val="90000"/>
         </a:lnSpc>
         <a:spcBef>
-          <a:spcPts val="378"/>
+          <a:spcPts val="446"/>
         </a:spcBef>
         <a:buFont typeface="Arial" panose="020B0604020202020204" pitchFamily="34" charset="0"/>
         <a:buChar char="•"/>
-        <a:defRPr sz="1361" kern="1200">
+        <a:defRPr sz="1606" kern="1200">
           <a:solidFill>
             <a:schemeClr val="tx1"/>
           </a:solidFill>
@@ -2747,16 +3189,16 @@
           <a:cs typeface="+mn-cs"/>
         </a:defRPr>
       </a:lvl6pPr>
-      <a:lvl7pPr marL="2246681" indent="-172822" algn="l" defTabSz="691286" rtl="0" eaLnBrk="1" latinLnBrk="0" hangingPunct="1">
+      <a:lvl7pPr marL="2652034" indent="-204003" algn="l" defTabSz="816011" rtl="0" eaLnBrk="1" latinLnBrk="0" hangingPunct="1">
         <a:lnSpc>
           <a:spcPct val="90000"/>
         </a:lnSpc>
         <a:spcBef>
-          <a:spcPts val="378"/>
+          <a:spcPts val="446"/>
         </a:spcBef>
         <a:buFont typeface="Arial" panose="020B0604020202020204" pitchFamily="34" charset="0"/>
         <a:buChar char="•"/>
-        <a:defRPr sz="1361" kern="1200">
+        <a:defRPr sz="1606" kern="1200">
           <a:solidFill>
             <a:schemeClr val="tx1"/>
           </a:solidFill>
@@ -2765,16 +3207,16 @@
           <a:cs typeface="+mn-cs"/>
         </a:defRPr>
       </a:lvl7pPr>
-      <a:lvl8pPr marL="2592324" indent="-172822" algn="l" defTabSz="691286" rtl="0" eaLnBrk="1" latinLnBrk="0" hangingPunct="1">
+      <a:lvl8pPr marL="3060040" indent="-204003" algn="l" defTabSz="816011" rtl="0" eaLnBrk="1" latinLnBrk="0" hangingPunct="1">
         <a:lnSpc>
           <a:spcPct val="90000"/>
         </a:lnSpc>
         <a:spcBef>
-          <a:spcPts val="378"/>
+          <a:spcPts val="446"/>
         </a:spcBef>
         <a:buFont typeface="Arial" panose="020B0604020202020204" pitchFamily="34" charset="0"/>
         <a:buChar char="•"/>
-        <a:defRPr sz="1361" kern="1200">
+        <a:defRPr sz="1606" kern="1200">
           <a:solidFill>
             <a:schemeClr val="tx1"/>
           </a:solidFill>
@@ -2783,16 +3225,16 @@
           <a:cs typeface="+mn-cs"/>
         </a:defRPr>
       </a:lvl8pPr>
-      <a:lvl9pPr marL="2937967" indent="-172822" algn="l" defTabSz="691286" rtl="0" eaLnBrk="1" latinLnBrk="0" hangingPunct="1">
+      <a:lvl9pPr marL="3468045" indent="-204003" algn="l" defTabSz="816011" rtl="0" eaLnBrk="1" latinLnBrk="0" hangingPunct="1">
         <a:lnSpc>
           <a:spcPct val="90000"/>
         </a:lnSpc>
         <a:spcBef>
-          <a:spcPts val="378"/>
+          <a:spcPts val="446"/>
         </a:spcBef>
         <a:buFont typeface="Arial" panose="020B0604020202020204" pitchFamily="34" charset="0"/>
         <a:buChar char="•"/>
-        <a:defRPr sz="1361" kern="1200">
+        <a:defRPr sz="1606" kern="1200">
           <a:solidFill>
             <a:schemeClr val="tx1"/>
           </a:solidFill>
@@ -2806,8 +3248,8 @@
       <a:defPPr>
         <a:defRPr lang="en-US"/>
       </a:defPPr>
-      <a:lvl1pPr marL="0" algn="l" defTabSz="691286" rtl="0" eaLnBrk="1" latinLnBrk="0" hangingPunct="1">
-        <a:defRPr sz="1361" kern="1200">
+      <a:lvl1pPr marL="0" algn="l" defTabSz="816011" rtl="0" eaLnBrk="1" latinLnBrk="0" hangingPunct="1">
+        <a:defRPr sz="1606" kern="1200">
           <a:solidFill>
             <a:schemeClr val="tx1"/>
           </a:solidFill>
@@ -2816,8 +3258,8 @@
           <a:cs typeface="+mn-cs"/>
         </a:defRPr>
       </a:lvl1pPr>
-      <a:lvl2pPr marL="345643" algn="l" defTabSz="691286" rtl="0" eaLnBrk="1" latinLnBrk="0" hangingPunct="1">
-        <a:defRPr sz="1361" kern="1200">
+      <a:lvl2pPr marL="408005" algn="l" defTabSz="816011" rtl="0" eaLnBrk="1" latinLnBrk="0" hangingPunct="1">
+        <a:defRPr sz="1606" kern="1200">
           <a:solidFill>
             <a:schemeClr val="tx1"/>
           </a:solidFill>
@@ -2826,8 +3268,8 @@
           <a:cs typeface="+mn-cs"/>
         </a:defRPr>
       </a:lvl2pPr>
-      <a:lvl3pPr marL="691286" algn="l" defTabSz="691286" rtl="0" eaLnBrk="1" latinLnBrk="0" hangingPunct="1">
-        <a:defRPr sz="1361" kern="1200">
+      <a:lvl3pPr marL="816011" algn="l" defTabSz="816011" rtl="0" eaLnBrk="1" latinLnBrk="0" hangingPunct="1">
+        <a:defRPr sz="1606" kern="1200">
           <a:solidFill>
             <a:schemeClr val="tx1"/>
           </a:solidFill>
@@ -2836,8 +3278,8 @@
           <a:cs typeface="+mn-cs"/>
         </a:defRPr>
       </a:lvl3pPr>
-      <a:lvl4pPr marL="1036930" algn="l" defTabSz="691286" rtl="0" eaLnBrk="1" latinLnBrk="0" hangingPunct="1">
-        <a:defRPr sz="1361" kern="1200">
+      <a:lvl4pPr marL="1224016" algn="l" defTabSz="816011" rtl="0" eaLnBrk="1" latinLnBrk="0" hangingPunct="1">
+        <a:defRPr sz="1606" kern="1200">
           <a:solidFill>
             <a:schemeClr val="tx1"/>
           </a:solidFill>
@@ -2846,8 +3288,8 @@
           <a:cs typeface="+mn-cs"/>
         </a:defRPr>
       </a:lvl4pPr>
-      <a:lvl5pPr marL="1382573" algn="l" defTabSz="691286" rtl="0" eaLnBrk="1" latinLnBrk="0" hangingPunct="1">
-        <a:defRPr sz="1361" kern="1200">
+      <a:lvl5pPr marL="1632021" algn="l" defTabSz="816011" rtl="0" eaLnBrk="1" latinLnBrk="0" hangingPunct="1">
+        <a:defRPr sz="1606" kern="1200">
           <a:solidFill>
             <a:schemeClr val="tx1"/>
           </a:solidFill>
@@ -2856,8 +3298,8 @@
           <a:cs typeface="+mn-cs"/>
         </a:defRPr>
       </a:lvl5pPr>
-      <a:lvl6pPr marL="1728216" algn="l" defTabSz="691286" rtl="0" eaLnBrk="1" latinLnBrk="0" hangingPunct="1">
-        <a:defRPr sz="1361" kern="1200">
+      <a:lvl6pPr marL="2040026" algn="l" defTabSz="816011" rtl="0" eaLnBrk="1" latinLnBrk="0" hangingPunct="1">
+        <a:defRPr sz="1606" kern="1200">
           <a:solidFill>
             <a:schemeClr val="tx1"/>
           </a:solidFill>
@@ -2866,8 +3308,8 @@
           <a:cs typeface="+mn-cs"/>
         </a:defRPr>
       </a:lvl6pPr>
-      <a:lvl7pPr marL="2073859" algn="l" defTabSz="691286" rtl="0" eaLnBrk="1" latinLnBrk="0" hangingPunct="1">
-        <a:defRPr sz="1361" kern="1200">
+      <a:lvl7pPr marL="2448032" algn="l" defTabSz="816011" rtl="0" eaLnBrk="1" latinLnBrk="0" hangingPunct="1">
+        <a:defRPr sz="1606" kern="1200">
           <a:solidFill>
             <a:schemeClr val="tx1"/>
           </a:solidFill>
@@ -2876,8 +3318,8 @@
           <a:cs typeface="+mn-cs"/>
         </a:defRPr>
       </a:lvl7pPr>
-      <a:lvl8pPr marL="2419502" algn="l" defTabSz="691286" rtl="0" eaLnBrk="1" latinLnBrk="0" hangingPunct="1">
-        <a:defRPr sz="1361" kern="1200">
+      <a:lvl8pPr marL="2856037" algn="l" defTabSz="816011" rtl="0" eaLnBrk="1" latinLnBrk="0" hangingPunct="1">
+        <a:defRPr sz="1606" kern="1200">
           <a:solidFill>
             <a:schemeClr val="tx1"/>
           </a:solidFill>
@@ -2886,8 +3328,8 @@
           <a:cs typeface="+mn-cs"/>
         </a:defRPr>
       </a:lvl8pPr>
-      <a:lvl9pPr marL="2765146" algn="l" defTabSz="691286" rtl="0" eaLnBrk="1" latinLnBrk="0" hangingPunct="1">
-        <a:defRPr sz="1361" kern="1200">
+      <a:lvl9pPr marL="3264042" algn="l" defTabSz="816011" rtl="0" eaLnBrk="1" latinLnBrk="0" hangingPunct="1">
+        <a:defRPr sz="1606" kern="1200">
           <a:solidFill>
             <a:schemeClr val="tx1"/>
           </a:solidFill>
@@ -2927,20 +3369,20 @@
           <p:nvPr/>
         </p:nvPicPr>
         <p:blipFill rotWithShape="1">
-          <a:blip r:embed="rId2">
+          <a:blip r:embed="rId3">
             <a:extLst>
               <a:ext uri="{28A0092B-C50C-407E-A947-70E740481C1C}">
                 <a14:useLocalDpi xmlns:a14="http://schemas.microsoft.com/office/drawing/2010/main" val="0"/>
               </a:ext>
             </a:extLst>
           </a:blip>
-          <a:srcRect t="958" r="1447"/>
+          <a:srcRect l="4905" t="958" r="1447" b="3068"/>
           <a:stretch/>
         </p:blipFill>
         <p:spPr>
           <a:xfrm>
-            <a:off x="0" y="16042"/>
-            <a:ext cx="12192000" cy="5168733"/>
+            <a:off x="810806" y="483562"/>
+            <a:ext cx="11585188" cy="5008592"/>
           </a:xfrm>
           <a:prstGeom prst="rect">
             <a:avLst/>
@@ -2955,7 +3397,7 @@
         </p:nvSpPr>
         <p:spPr>
           <a:xfrm>
-            <a:off x="7057303" y="-1211000"/>
+            <a:off x="7261298" y="-1211000"/>
             <a:ext cx="1608881" cy="400110"/>
           </a:xfrm>
           <a:prstGeom prst="rect">
@@ -2970,7 +3412,7 @@
           <a:lstStyle/>
           <a:p>
             <a:r>
-              <a:rPr lang="de-DE" sz="2000" dirty="0" smtClean="0">
+              <a:rPr lang="de-DE" sz="2000" dirty="0">
                 <a:solidFill>
                   <a:schemeClr val="bg1"/>
                 </a:solidFill>
@@ -2993,7 +3435,7 @@
         </p:nvSpPr>
         <p:spPr>
           <a:xfrm>
-            <a:off x="606812" y="2214608"/>
+            <a:off x="810806" y="2682127"/>
             <a:ext cx="2002420" cy="400110"/>
           </a:xfrm>
           <a:prstGeom prst="rect">
@@ -3008,7 +3450,7 @@
           <a:lstStyle/>
           <a:p>
             <a:r>
-              <a:rPr lang="de-DE" sz="2000" dirty="0" smtClean="0">
+              <a:rPr lang="de-DE" sz="2000" dirty="0">
                 <a:solidFill>
                   <a:schemeClr val="bg1"/>
                 </a:solidFill>
@@ -3031,7 +3473,7 @@
         </p:nvSpPr>
         <p:spPr>
           <a:xfrm>
-            <a:off x="8164105" y="2400353"/>
+            <a:off x="8368100" y="2867872"/>
             <a:ext cx="633663" cy="400110"/>
           </a:xfrm>
           <a:prstGeom prst="rect">
@@ -3046,7 +3488,7 @@
           <a:lstStyle/>
           <a:p>
             <a:r>
-              <a:rPr lang="de-DE" sz="2000" smtClean="0">
+              <a:rPr lang="de-DE" sz="2000">
                 <a:solidFill>
                   <a:schemeClr val="bg1"/>
                 </a:solidFill>
@@ -3069,7 +3511,7 @@
         </p:nvSpPr>
         <p:spPr>
           <a:xfrm>
-            <a:off x="10189580" y="2200298"/>
+            <a:off x="10393574" y="2667817"/>
             <a:ext cx="2002420" cy="400110"/>
           </a:xfrm>
           <a:prstGeom prst="rect">
@@ -3084,7 +3526,7 @@
           <a:lstStyle/>
           <a:p>
             <a:r>
-              <a:rPr lang="de-DE" sz="2000" smtClean="0">
+              <a:rPr lang="de-DE" sz="2000">
                 <a:solidFill>
                   <a:schemeClr val="bg1"/>
                 </a:solidFill>
@@ -3107,7 +3549,7 @@
         </p:nvSpPr>
         <p:spPr>
           <a:xfrm>
-            <a:off x="8666184" y="16041"/>
+            <a:off x="8870178" y="483560"/>
             <a:ext cx="2002420" cy="400110"/>
           </a:xfrm>
           <a:prstGeom prst="rect">
@@ -3122,7 +3564,7 @@
           <a:lstStyle/>
           <a:p>
             <a:r>
-              <a:rPr lang="de-DE" sz="2000" dirty="0" smtClean="0">
+              <a:rPr lang="de-DE" sz="2000" dirty="0">
                 <a:solidFill>
                   <a:schemeClr val="bg1"/>
                 </a:solidFill>
@@ -3145,7 +3587,7 @@
         </p:nvSpPr>
         <p:spPr>
           <a:xfrm>
-            <a:off x="4631123" y="4424385"/>
+            <a:off x="4835118" y="4891904"/>
             <a:ext cx="2155439" cy="400110"/>
           </a:xfrm>
           <a:prstGeom prst="rect">
@@ -3160,7 +3602,7 @@
           <a:lstStyle/>
           <a:p>
             <a:r>
-              <a:rPr lang="de-DE" sz="2000" smtClean="0">
+              <a:rPr lang="de-DE" sz="2000">
                 <a:solidFill>
                   <a:schemeClr val="bg1"/>
                 </a:solidFill>
@@ -3183,8 +3625,8 @@
         </p:nvSpPr>
         <p:spPr>
           <a:xfrm>
-            <a:off x="3816736" y="3167086"/>
-            <a:ext cx="2069713" cy="400110"/>
+            <a:off x="3905725" y="3223195"/>
+            <a:ext cx="3369877" cy="707886"/>
           </a:xfrm>
           <a:prstGeom prst="rect">
             <a:avLst/>
@@ -3198,12 +3640,20 @@
           <a:lstStyle/>
           <a:p>
             <a:r>
-              <a:rPr lang="de-DE" sz="2000" smtClean="0">
+              <a:rPr lang="de-DE" sz="2000" dirty="0">
                 <a:solidFill>
                   <a:schemeClr val="bg1"/>
                 </a:solidFill>
               </a:rPr>
-              <a:t>Prozessoraktivität</a:t>
+              <a:t>Datenaustausch zwischen Mikrocontroller und </a:t>
+            </a:r>
+            <a:r>
+              <a:rPr lang="de-DE" sz="2000" dirty="0" err="1">
+                <a:solidFill>
+                  <a:schemeClr val="bg1"/>
+                </a:solidFill>
+              </a:rPr>
+              <a:t>Funkchip</a:t>
             </a:r>
             <a:endParaRPr lang="de-DE" sz="2000" dirty="0">
               <a:solidFill>
@@ -3221,7 +3671,7 @@
         </p:nvCxnSpPr>
         <p:spPr>
           <a:xfrm flipH="1">
-            <a:off x="3071813" y="3567196"/>
+            <a:off x="3275807" y="4034716"/>
             <a:ext cx="1243012" cy="690479"/>
           </a:xfrm>
           <a:prstGeom prst="straightConnector1">
@@ -3257,7 +3707,7 @@
         </p:nvCxnSpPr>
         <p:spPr>
           <a:xfrm>
-            <a:off x="5100638" y="3567196"/>
+            <a:off x="5304633" y="4034715"/>
             <a:ext cx="2886075" cy="961942"/>
           </a:xfrm>
           <a:prstGeom prst="straightConnector1">
@@ -3293,7 +3743,7 @@
         </p:nvSpPr>
         <p:spPr>
           <a:xfrm>
-            <a:off x="3910690" y="977110"/>
+            <a:off x="4114684" y="1444629"/>
             <a:ext cx="3443288" cy="400110"/>
           </a:xfrm>
           <a:prstGeom prst="rect">
@@ -3308,7 +3758,7 @@
           <a:lstStyle/>
           <a:p>
             <a:r>
-              <a:rPr lang="de-DE" sz="2000" dirty="0" smtClean="0">
+              <a:rPr lang="de-DE" sz="2000" dirty="0">
                 <a:solidFill>
                   <a:srgbClr val="FF0000"/>
                 </a:solidFill>
@@ -3331,7 +3781,7 @@
         </p:nvCxnSpPr>
         <p:spPr>
           <a:xfrm>
-            <a:off x="2414587" y="1400175"/>
+            <a:off x="2618581" y="1867695"/>
             <a:ext cx="0" cy="3514725"/>
           </a:xfrm>
           <a:prstGeom prst="line">
@@ -3366,7 +3816,7 @@
         </p:nvCxnSpPr>
         <p:spPr>
           <a:xfrm>
-            <a:off x="9982200" y="1400174"/>
+            <a:off x="10186194" y="1867694"/>
             <a:ext cx="0" cy="3514725"/>
           </a:xfrm>
           <a:prstGeom prst="line">
@@ -3401,7 +3851,7 @@
         </p:nvCxnSpPr>
         <p:spPr>
           <a:xfrm>
-            <a:off x="2414587" y="1585913"/>
+            <a:off x="2618582" y="2053432"/>
             <a:ext cx="7567613" cy="0"/>
           </a:xfrm>
           <a:prstGeom prst="straightConnector1">
@@ -3430,6 +3880,449 @@
           </a:fontRef>
         </p:style>
       </p:cxnSp>
+      <p:grpSp>
+        <p:nvGrpSpPr>
+          <p:cNvPr id="18" name="Gruppierung 17"/>
+          <p:cNvGrpSpPr/>
+          <p:nvPr/>
+        </p:nvGrpSpPr>
+        <p:grpSpPr>
+          <a:xfrm>
+            <a:off x="-12044" y="35238"/>
+            <a:ext cx="12698662" cy="5962214"/>
+            <a:chOff x="-216038" y="-432281"/>
+            <a:chExt cx="12698662" cy="5962214"/>
+          </a:xfrm>
+        </p:grpSpPr>
+        <p:cxnSp>
+          <p:nvCxnSpPr>
+            <p:cNvPr id="4" name="Gerade Verbindung mit Pfeil 3"/>
+            <p:cNvCxnSpPr/>
+            <p:nvPr/>
+          </p:nvCxnSpPr>
+          <p:spPr>
+            <a:xfrm>
+              <a:off x="511119" y="5103627"/>
+              <a:ext cx="11886444" cy="0"/>
+            </a:xfrm>
+            <a:prstGeom prst="straightConnector1">
+              <a:avLst/>
+            </a:prstGeom>
+            <a:ln w="25400">
+              <a:solidFill>
+                <a:schemeClr val="tx1"/>
+              </a:solidFill>
+              <a:tailEnd type="triangle" w="lg" len="lg"/>
+            </a:ln>
+          </p:spPr>
+          <p:style>
+            <a:lnRef idx="1">
+              <a:schemeClr val="accent1"/>
+            </a:lnRef>
+            <a:fillRef idx="0">
+              <a:schemeClr val="accent1"/>
+            </a:fillRef>
+            <a:effectRef idx="0">
+              <a:schemeClr val="accent1"/>
+            </a:effectRef>
+            <a:fontRef idx="minor">
+              <a:schemeClr val="tx1"/>
+            </a:fontRef>
+          </p:style>
+        </p:cxnSp>
+        <p:sp>
+          <p:nvSpPr>
+            <p:cNvPr id="7" name="Textfeld 6"/>
+            <p:cNvSpPr txBox="1"/>
+            <p:nvPr/>
+          </p:nvSpPr>
+          <p:spPr>
+            <a:xfrm>
+              <a:off x="1198669" y="5056683"/>
+              <a:ext cx="715192" cy="338554"/>
+            </a:xfrm>
+            <a:prstGeom prst="rect">
+              <a:avLst/>
+            </a:prstGeom>
+            <a:noFill/>
+          </p:spPr>
+          <p:txBody>
+            <a:bodyPr wrap="square" rtlCol="0">
+              <a:spAutoFit/>
+            </a:bodyPr>
+            <a:lstStyle/>
+            <a:p>
+              <a:r>
+                <a:rPr lang="de-DE" sz="1600" dirty="0"/>
+                <a:t>38773</a:t>
+              </a:r>
+            </a:p>
+          </p:txBody>
+        </p:sp>
+        <p:sp>
+          <p:nvSpPr>
+            <p:cNvPr id="19" name="Textfeld 18"/>
+            <p:cNvSpPr txBox="1"/>
+            <p:nvPr/>
+          </p:nvSpPr>
+          <p:spPr>
+            <a:xfrm>
+              <a:off x="3071813" y="5072072"/>
+              <a:ext cx="715192" cy="338554"/>
+            </a:xfrm>
+            <a:prstGeom prst="rect">
+              <a:avLst/>
+            </a:prstGeom>
+            <a:noFill/>
+          </p:spPr>
+          <p:txBody>
+            <a:bodyPr wrap="square" rtlCol="0">
+              <a:spAutoFit/>
+            </a:bodyPr>
+            <a:lstStyle/>
+            <a:p>
+              <a:r>
+                <a:rPr lang="de-DE" sz="1600" dirty="0"/>
+                <a:t>38784</a:t>
+              </a:r>
+            </a:p>
+          </p:txBody>
+        </p:sp>
+        <p:sp>
+          <p:nvSpPr>
+            <p:cNvPr id="21" name="Textfeld 20"/>
+            <p:cNvSpPr txBox="1"/>
+            <p:nvPr/>
+          </p:nvSpPr>
+          <p:spPr>
+            <a:xfrm>
+              <a:off x="5029072" y="5056683"/>
+              <a:ext cx="715192" cy="338554"/>
+            </a:xfrm>
+            <a:prstGeom prst="rect">
+              <a:avLst/>
+            </a:prstGeom>
+            <a:noFill/>
+          </p:spPr>
+          <p:txBody>
+            <a:bodyPr wrap="square" rtlCol="0">
+              <a:spAutoFit/>
+            </a:bodyPr>
+            <a:lstStyle/>
+            <a:p>
+              <a:r>
+                <a:rPr lang="de-DE" sz="1600" dirty="0"/>
+                <a:t>38794</a:t>
+              </a:r>
+            </a:p>
+          </p:txBody>
+        </p:sp>
+        <p:sp>
+          <p:nvSpPr>
+            <p:cNvPr id="22" name="Textfeld 21"/>
+            <p:cNvSpPr txBox="1"/>
+            <p:nvPr/>
+          </p:nvSpPr>
+          <p:spPr>
+            <a:xfrm>
+              <a:off x="6902216" y="5062936"/>
+              <a:ext cx="715192" cy="338554"/>
+            </a:xfrm>
+            <a:prstGeom prst="rect">
+              <a:avLst/>
+            </a:prstGeom>
+            <a:noFill/>
+          </p:spPr>
+          <p:txBody>
+            <a:bodyPr wrap="square" rtlCol="0">
+              <a:spAutoFit/>
+            </a:bodyPr>
+            <a:lstStyle/>
+            <a:p>
+              <a:r>
+                <a:rPr lang="de-DE" sz="1600" dirty="0"/>
+                <a:t>38805</a:t>
+              </a:r>
+            </a:p>
+          </p:txBody>
+        </p:sp>
+        <p:sp>
+          <p:nvSpPr>
+            <p:cNvPr id="23" name="Textfeld 22"/>
+            <p:cNvSpPr txBox="1"/>
+            <p:nvPr/>
+          </p:nvSpPr>
+          <p:spPr>
+            <a:xfrm>
+              <a:off x="8859475" y="5056683"/>
+              <a:ext cx="715192" cy="338554"/>
+            </a:xfrm>
+            <a:prstGeom prst="rect">
+              <a:avLst/>
+            </a:prstGeom>
+            <a:noFill/>
+          </p:spPr>
+          <p:txBody>
+            <a:bodyPr wrap="square" rtlCol="0">
+              <a:spAutoFit/>
+            </a:bodyPr>
+            <a:lstStyle/>
+            <a:p>
+              <a:r>
+                <a:rPr lang="de-DE" sz="1600" dirty="0"/>
+                <a:t>38815</a:t>
+              </a:r>
+            </a:p>
+          </p:txBody>
+        </p:sp>
+        <p:sp>
+          <p:nvSpPr>
+            <p:cNvPr id="24" name="Textfeld 23"/>
+            <p:cNvSpPr txBox="1"/>
+            <p:nvPr/>
+          </p:nvSpPr>
+          <p:spPr>
+            <a:xfrm>
+              <a:off x="10732619" y="5067428"/>
+              <a:ext cx="715192" cy="338554"/>
+            </a:xfrm>
+            <a:prstGeom prst="rect">
+              <a:avLst/>
+            </a:prstGeom>
+            <a:noFill/>
+          </p:spPr>
+          <p:txBody>
+            <a:bodyPr wrap="square" rtlCol="0">
+              <a:spAutoFit/>
+            </a:bodyPr>
+            <a:lstStyle/>
+            <a:p>
+              <a:r>
+                <a:rPr lang="de-DE" sz="1600" dirty="0"/>
+                <a:t>38825</a:t>
+              </a:r>
+            </a:p>
+          </p:txBody>
+        </p:sp>
+        <p:sp>
+          <p:nvSpPr>
+            <p:cNvPr id="25" name="Textfeld 24"/>
+            <p:cNvSpPr txBox="1"/>
+            <p:nvPr/>
+          </p:nvSpPr>
+          <p:spPr>
+            <a:xfrm>
+              <a:off x="-118304" y="4190584"/>
+              <a:ext cx="715192" cy="338554"/>
+            </a:xfrm>
+            <a:prstGeom prst="rect">
+              <a:avLst/>
+            </a:prstGeom>
+            <a:noFill/>
+          </p:spPr>
+          <p:txBody>
+            <a:bodyPr wrap="square" rtlCol="0">
+              <a:spAutoFit/>
+            </a:bodyPr>
+            <a:lstStyle/>
+            <a:p>
+              <a:r>
+                <a:rPr lang="de-DE" sz="1600" dirty="0"/>
+                <a:t>23,66</a:t>
+              </a:r>
+            </a:p>
+          </p:txBody>
+        </p:sp>
+        <p:sp>
+          <p:nvSpPr>
+            <p:cNvPr id="26" name="Textfeld 25"/>
+            <p:cNvSpPr txBox="1"/>
+            <p:nvPr/>
+          </p:nvSpPr>
+          <p:spPr>
+            <a:xfrm>
+              <a:off x="-133486" y="2889355"/>
+              <a:ext cx="715192" cy="338554"/>
+            </a:xfrm>
+            <a:prstGeom prst="rect">
+              <a:avLst/>
+            </a:prstGeom>
+            <a:noFill/>
+          </p:spPr>
+          <p:txBody>
+            <a:bodyPr wrap="square" rtlCol="0">
+              <a:spAutoFit/>
+            </a:bodyPr>
+            <a:lstStyle/>
+            <a:p>
+              <a:r>
+                <a:rPr lang="de-DE" sz="1600" dirty="0"/>
+                <a:t>83,42</a:t>
+              </a:r>
+            </a:p>
+          </p:txBody>
+        </p:sp>
+        <p:sp>
+          <p:nvSpPr>
+            <p:cNvPr id="27" name="Textfeld 26"/>
+            <p:cNvSpPr txBox="1"/>
+            <p:nvPr/>
+          </p:nvSpPr>
+          <p:spPr>
+            <a:xfrm>
+              <a:off x="-216038" y="1585913"/>
+              <a:ext cx="839702" cy="338554"/>
+            </a:xfrm>
+            <a:prstGeom prst="rect">
+              <a:avLst/>
+            </a:prstGeom>
+            <a:noFill/>
+          </p:spPr>
+          <p:txBody>
+            <a:bodyPr wrap="square" rtlCol="0">
+              <a:spAutoFit/>
+            </a:bodyPr>
+            <a:lstStyle/>
+            <a:p>
+              <a:r>
+                <a:rPr lang="de-DE" sz="1600" dirty="0"/>
+                <a:t>143,19</a:t>
+              </a:r>
+            </a:p>
+          </p:txBody>
+        </p:sp>
+        <p:sp>
+          <p:nvSpPr>
+            <p:cNvPr id="28" name="Textfeld 27"/>
+            <p:cNvSpPr txBox="1"/>
+            <p:nvPr/>
+          </p:nvSpPr>
+          <p:spPr>
+            <a:xfrm>
+              <a:off x="-205945" y="282471"/>
+              <a:ext cx="787651" cy="338554"/>
+            </a:xfrm>
+            <a:prstGeom prst="rect">
+              <a:avLst/>
+            </a:prstGeom>
+            <a:noFill/>
+          </p:spPr>
+          <p:txBody>
+            <a:bodyPr wrap="square" rtlCol="0">
+              <a:spAutoFit/>
+            </a:bodyPr>
+            <a:lstStyle/>
+            <a:p>
+              <a:r>
+                <a:rPr lang="de-DE" sz="1600" dirty="0"/>
+                <a:t>202,95</a:t>
+              </a:r>
+            </a:p>
+          </p:txBody>
+        </p:sp>
+        <p:cxnSp>
+          <p:nvCxnSpPr>
+            <p:cNvPr id="11" name="Gerade Verbindung mit Pfeil 10"/>
+            <p:cNvCxnSpPr/>
+            <p:nvPr/>
+          </p:nvCxnSpPr>
+          <p:spPr>
+            <a:xfrm flipV="1">
+              <a:off x="511119" y="-116958"/>
+              <a:ext cx="0" cy="5220585"/>
+            </a:xfrm>
+            <a:prstGeom prst="straightConnector1">
+              <a:avLst/>
+            </a:prstGeom>
+            <a:ln w="25400">
+              <a:solidFill>
+                <a:schemeClr val="tx1"/>
+              </a:solidFill>
+              <a:tailEnd type="triangle" w="lg" len="lg"/>
+            </a:ln>
+          </p:spPr>
+          <p:style>
+            <a:lnRef idx="1">
+              <a:schemeClr val="accent1"/>
+            </a:lnRef>
+            <a:fillRef idx="0">
+              <a:schemeClr val="accent1"/>
+            </a:fillRef>
+            <a:effectRef idx="0">
+              <a:schemeClr val="accent1"/>
+            </a:effectRef>
+            <a:fontRef idx="minor">
+              <a:schemeClr val="tx1"/>
+            </a:fontRef>
+          </p:style>
+        </p:cxnSp>
+        <p:sp>
+          <p:nvSpPr>
+            <p:cNvPr id="13" name="Textfeld 12"/>
+            <p:cNvSpPr txBox="1"/>
+            <p:nvPr/>
+          </p:nvSpPr>
+          <p:spPr>
+            <a:xfrm>
+              <a:off x="401227" y="-432281"/>
+              <a:ext cx="1594884" cy="338554"/>
+            </a:xfrm>
+            <a:prstGeom prst="rect">
+              <a:avLst/>
+            </a:prstGeom>
+            <a:noFill/>
+          </p:spPr>
+          <p:txBody>
+            <a:bodyPr wrap="square" rtlCol="0">
+              <a:spAutoFit/>
+            </a:bodyPr>
+            <a:lstStyle/>
+            <a:p>
+              <a:r>
+                <a:rPr lang="de-DE" sz="1600" dirty="0"/>
+                <a:t>Leistung [mW]</a:t>
+              </a:r>
+            </a:p>
+          </p:txBody>
+        </p:sp>
+        <p:sp>
+          <p:nvSpPr>
+            <p:cNvPr id="34" name="Textfeld 33"/>
+            <p:cNvSpPr txBox="1"/>
+            <p:nvPr/>
+          </p:nvSpPr>
+          <p:spPr>
+            <a:xfrm>
+              <a:off x="11548609" y="5191379"/>
+              <a:ext cx="934015" cy="338554"/>
+            </a:xfrm>
+            <a:prstGeom prst="rect">
+              <a:avLst/>
+            </a:prstGeom>
+            <a:noFill/>
+          </p:spPr>
+          <p:txBody>
+            <a:bodyPr wrap="square" rtlCol="0">
+              <a:spAutoFit/>
+            </a:bodyPr>
+            <a:lstStyle/>
+            <a:p>
+              <a:r>
+                <a:rPr lang="de-DE" sz="1600" dirty="0"/>
+                <a:t>Zeit [</a:t>
+              </a:r>
+              <a:r>
+                <a:rPr lang="de-DE" sz="1600" dirty="0" err="1"/>
+                <a:t>ms</a:t>
+              </a:r>
+              <a:r>
+                <a:rPr lang="de-DE" sz="1600" dirty="0"/>
+                <a:t>]</a:t>
+              </a:r>
+            </a:p>
+          </p:txBody>
+        </p:sp>
+      </p:grpSp>
     </p:spTree>
     <p:extLst>
       <p:ext uri="{BB962C8B-B14F-4D97-AF65-F5344CB8AC3E}">
@@ -3702,4 +4595,265 @@
     </a:ext>
   </a:extLst>
 </a:theme>
+</file>
+
+<file path=ppt/theme/theme2.xml><?xml version="1.0" encoding="utf-8"?>
+<a:theme xmlns:a="http://schemas.openxmlformats.org/drawingml/2006/main" name="Office-Design">
+  <a:themeElements>
+    <a:clrScheme name="Office">
+      <a:dk1>
+        <a:sysClr val="windowText" lastClr="000000"/>
+      </a:dk1>
+      <a:lt1>
+        <a:sysClr val="window" lastClr="FFFFFF"/>
+      </a:lt1>
+      <a:dk2>
+        <a:srgbClr val="44546A"/>
+      </a:dk2>
+      <a:lt2>
+        <a:srgbClr val="E7E6E6"/>
+      </a:lt2>
+      <a:accent1>
+        <a:srgbClr val="4472C4"/>
+      </a:accent1>
+      <a:accent2>
+        <a:srgbClr val="ED7D31"/>
+      </a:accent2>
+      <a:accent3>
+        <a:srgbClr val="A5A5A5"/>
+      </a:accent3>
+      <a:accent4>
+        <a:srgbClr val="FFC000"/>
+      </a:accent4>
+      <a:accent5>
+        <a:srgbClr val="5B9BD5"/>
+      </a:accent5>
+      <a:accent6>
+        <a:srgbClr val="70AD47"/>
+      </a:accent6>
+      <a:hlink>
+        <a:srgbClr val="0563C1"/>
+      </a:hlink>
+      <a:folHlink>
+        <a:srgbClr val="954F72"/>
+      </a:folHlink>
+    </a:clrScheme>
+    <a:fontScheme name="Office">
+      <a:majorFont>
+        <a:latin typeface="Calibri Light" panose="020F0302020204030204"/>
+        <a:ea typeface=""/>
+        <a:cs typeface=""/>
+        <a:font script="Jpan" typeface="Yu Gothic Light"/>
+        <a:font script="Hang" typeface="맑은 고딕"/>
+        <a:font script="Hans" typeface="DengXian Light"/>
+        <a:font script="Hant" typeface="新細明體"/>
+        <a:font script="Arab" typeface="Times New Roman"/>
+        <a:font script="Hebr" typeface="Times New Roman"/>
+        <a:font script="Thai" typeface="Angsana New"/>
+        <a:font script="Ethi" typeface="Nyala"/>
+        <a:font script="Beng" typeface="Vrinda"/>
+        <a:font script="Gujr" typeface="Shruti"/>
+        <a:font script="Khmr" typeface="MoolBoran"/>
+        <a:font script="Knda" typeface="Tunga"/>
+        <a:font script="Guru" typeface="Raavi"/>
+        <a:font script="Cans" typeface="Euphemia"/>
+        <a:font script="Cher" typeface="Plantagenet Cherokee"/>
+        <a:font script="Yiii" typeface="Microsoft Yi Baiti"/>
+        <a:font script="Tibt" typeface="Microsoft Himalaya"/>
+        <a:font script="Thaa" typeface="MV Boli"/>
+        <a:font script="Deva" typeface="Mangal"/>
+        <a:font script="Telu" typeface="Gautami"/>
+        <a:font script="Taml" typeface="Latha"/>
+        <a:font script="Syrc" typeface="Estrangelo Edessa"/>
+        <a:font script="Orya" typeface="Kalinga"/>
+        <a:font script="Mlym" typeface="Kartika"/>
+        <a:font script="Laoo" typeface="DokChampa"/>
+        <a:font script="Sinh" typeface="Iskoola Pota"/>
+        <a:font script="Mong" typeface="Mongolian Baiti"/>
+        <a:font script="Viet" typeface="Times New Roman"/>
+        <a:font script="Uigh" typeface="Microsoft Uighur"/>
+        <a:font script="Geor" typeface="Sylfaen"/>
+      </a:majorFont>
+      <a:minorFont>
+        <a:latin typeface="Calibri" panose="020F0502020204030204"/>
+        <a:ea typeface=""/>
+        <a:cs typeface=""/>
+        <a:font script="Jpan" typeface="Yu Gothic"/>
+        <a:font script="Hang" typeface="맑은 고딕"/>
+        <a:font script="Hans" typeface="DengXian"/>
+        <a:font script="Hant" typeface="新細明體"/>
+        <a:font script="Arab" typeface="Arial"/>
+        <a:font script="Hebr" typeface="Arial"/>
+        <a:font script="Thai" typeface="Cordia New"/>
+        <a:font script="Ethi" typeface="Nyala"/>
+        <a:font script="Beng" typeface="Vrinda"/>
+        <a:font script="Gujr" typeface="Shruti"/>
+        <a:font script="Khmr" typeface="DaunPenh"/>
+        <a:font script="Knda" typeface="Tunga"/>
+        <a:font script="Guru" typeface="Raavi"/>
+        <a:font script="Cans" typeface="Euphemia"/>
+        <a:font script="Cher" typeface="Plantagenet Cherokee"/>
+        <a:font script="Yiii" typeface="Microsoft Yi Baiti"/>
+        <a:font script="Tibt" typeface="Microsoft Himalaya"/>
+        <a:font script="Thaa" typeface="MV Boli"/>
+        <a:font script="Deva" typeface="Mangal"/>
+        <a:font script="Telu" typeface="Gautami"/>
+        <a:font script="Taml" typeface="Latha"/>
+        <a:font script="Syrc" typeface="Estrangelo Edessa"/>
+        <a:font script="Orya" typeface="Kalinga"/>
+        <a:font script="Mlym" typeface="Kartika"/>
+        <a:font script="Laoo" typeface="DokChampa"/>
+        <a:font script="Sinh" typeface="Iskoola Pota"/>
+        <a:font script="Mong" typeface="Mongolian Baiti"/>
+        <a:font script="Viet" typeface="Arial"/>
+        <a:font script="Uigh" typeface="Microsoft Uighur"/>
+        <a:font script="Geor" typeface="Sylfaen"/>
+      </a:minorFont>
+    </a:fontScheme>
+    <a:fmtScheme name="Office">
+      <a:fillStyleLst>
+        <a:solidFill>
+          <a:schemeClr val="phClr"/>
+        </a:solidFill>
+        <a:gradFill rotWithShape="1">
+          <a:gsLst>
+            <a:gs pos="0">
+              <a:schemeClr val="phClr">
+                <a:lumMod val="110000"/>
+                <a:satMod val="105000"/>
+                <a:tint val="67000"/>
+              </a:schemeClr>
+            </a:gs>
+            <a:gs pos="50000">
+              <a:schemeClr val="phClr">
+                <a:lumMod val="105000"/>
+                <a:satMod val="103000"/>
+                <a:tint val="73000"/>
+              </a:schemeClr>
+            </a:gs>
+            <a:gs pos="100000">
+              <a:schemeClr val="phClr">
+                <a:lumMod val="105000"/>
+                <a:satMod val="109000"/>
+                <a:tint val="81000"/>
+              </a:schemeClr>
+            </a:gs>
+          </a:gsLst>
+          <a:lin ang="5400000" scaled="0"/>
+        </a:gradFill>
+        <a:gradFill rotWithShape="1">
+          <a:gsLst>
+            <a:gs pos="0">
+              <a:schemeClr val="phClr">
+                <a:satMod val="103000"/>
+                <a:lumMod val="102000"/>
+                <a:tint val="94000"/>
+              </a:schemeClr>
+            </a:gs>
+            <a:gs pos="50000">
+              <a:schemeClr val="phClr">
+                <a:satMod val="110000"/>
+                <a:lumMod val="100000"/>
+                <a:shade val="100000"/>
+              </a:schemeClr>
+            </a:gs>
+            <a:gs pos="100000">
+              <a:schemeClr val="phClr">
+                <a:lumMod val="99000"/>
+                <a:satMod val="120000"/>
+                <a:shade val="78000"/>
+              </a:schemeClr>
+            </a:gs>
+          </a:gsLst>
+          <a:lin ang="5400000" scaled="0"/>
+        </a:gradFill>
+      </a:fillStyleLst>
+      <a:lnStyleLst>
+        <a:ln w="6350" cap="flat" cmpd="sng" algn="ctr">
+          <a:solidFill>
+            <a:schemeClr val="phClr"/>
+          </a:solidFill>
+          <a:prstDash val="solid"/>
+          <a:miter lim="800000"/>
+        </a:ln>
+        <a:ln w="12700" cap="flat" cmpd="sng" algn="ctr">
+          <a:solidFill>
+            <a:schemeClr val="phClr"/>
+          </a:solidFill>
+          <a:prstDash val="solid"/>
+          <a:miter lim="800000"/>
+        </a:ln>
+        <a:ln w="19050" cap="flat" cmpd="sng" algn="ctr">
+          <a:solidFill>
+            <a:schemeClr val="phClr"/>
+          </a:solidFill>
+          <a:prstDash val="solid"/>
+          <a:miter lim="800000"/>
+        </a:ln>
+      </a:lnStyleLst>
+      <a:effectStyleLst>
+        <a:effectStyle>
+          <a:effectLst/>
+        </a:effectStyle>
+        <a:effectStyle>
+          <a:effectLst/>
+        </a:effectStyle>
+        <a:effectStyle>
+          <a:effectLst>
+            <a:outerShdw blurRad="57150" dist="19050" dir="5400000" algn="ctr" rotWithShape="0">
+              <a:srgbClr val="000000">
+                <a:alpha val="63000"/>
+              </a:srgbClr>
+            </a:outerShdw>
+          </a:effectLst>
+        </a:effectStyle>
+      </a:effectStyleLst>
+      <a:bgFillStyleLst>
+        <a:solidFill>
+          <a:schemeClr val="phClr"/>
+        </a:solidFill>
+        <a:solidFill>
+          <a:schemeClr val="phClr">
+            <a:tint val="95000"/>
+            <a:satMod val="170000"/>
+          </a:schemeClr>
+        </a:solidFill>
+        <a:gradFill rotWithShape="1">
+          <a:gsLst>
+            <a:gs pos="0">
+              <a:schemeClr val="phClr">
+                <a:tint val="93000"/>
+                <a:satMod val="150000"/>
+                <a:shade val="98000"/>
+                <a:lumMod val="102000"/>
+              </a:schemeClr>
+            </a:gs>
+            <a:gs pos="50000">
+              <a:schemeClr val="phClr">
+                <a:tint val="98000"/>
+                <a:satMod val="130000"/>
+                <a:shade val="90000"/>
+                <a:lumMod val="103000"/>
+              </a:schemeClr>
+            </a:gs>
+            <a:gs pos="100000">
+              <a:schemeClr val="phClr">
+                <a:shade val="63000"/>
+                <a:satMod val="120000"/>
+              </a:schemeClr>
+            </a:gs>
+          </a:gsLst>
+          <a:lin ang="5400000" scaled="0"/>
+        </a:gradFill>
+      </a:bgFillStyleLst>
+    </a:fmtScheme>
+  </a:themeElements>
+  <a:objectDefaults/>
+  <a:extraClrSchemeLst/>
+  <a:extLst>
+    <a:ext uri="{05A4C25C-085E-4340-85A3-A5531E510DB2}">
+      <thm15:themeFamily xmlns:thm15="http://schemas.microsoft.com/office/thememl/2012/main" name="Office Theme" id="{62F939B6-93AF-4DB8-9C6B-D6C7DFDC589F}" vid="{4A3C46E8-61CC-4603-A589-7422A47A8E4A}"/>
+    </a:ext>
+  </a:extLst>
+</a:theme>
 </file>